--- a/PRACTICA ETBS/Ejercicio 3/Presentación ejercicio 3.pptx
+++ b/PRACTICA ETBS/Ejercicio 3/Presentación ejercicio 3.pptx
@@ -36,6 +36,13 @@
     <p:sldId id="285" r:id="rId30"/>
     <p:sldId id="286" r:id="rId31"/>
     <p:sldId id="287" r:id="rId32"/>
+    <p:sldId id="288" r:id="rId33"/>
+    <p:sldId id="289" r:id="rId34"/>
+    <p:sldId id="290" r:id="rId35"/>
+    <p:sldId id="291" r:id="rId36"/>
+    <p:sldId id="292" r:id="rId37"/>
+    <p:sldId id="293" r:id="rId38"/>
+    <p:sldId id="294" r:id="rId39"/>
   </p:sldIdLst>
   <p:sldSz cx="12192000" cy="6858000"/>
   <p:notesSz cx="6858000" cy="9144000"/>
@@ -134,6 +141,11 @@
       </a:defRPr>
     </a:lvl9pPr>
   </p:defaultTextStyle>
+  <p:extLst>
+    <p:ext uri="{EFAFB233-063F-42B5-8137-9DF3F51BA10A}">
+      <p15:sldGuideLst xmlns:p15="http://schemas.microsoft.com/office/powerpoint/2012/main"/>
+    </p:ext>
+  </p:extLst>
 </p:presentation>
 </file>
 
@@ -1877,6 +1889,180 @@
 </inkml:ink>
 </file>
 
+<file path=ppt/ink/ink64.xml><?xml version="1.0" encoding="utf-8"?>
+<inkml:ink xmlns:inkml="http://www.w3.org/2003/InkML">
+  <inkml:definitions>
+    <inkml:context xml:id="ctx0">
+      <inkml:inkSource xml:id="inkSrc0">
+        <inkml:traceFormat>
+          <inkml:channel name="X" type="integer" min="-2.14748E9" max="2.14748E9" units="cm"/>
+          <inkml:channel name="Y" type="integer" min="-2.14748E9" max="2.14748E9" units="cm"/>
+        </inkml:traceFormat>
+        <inkml:channelProperties>
+          <inkml:channelProperty channel="X" name="resolution" value="1000" units="1/cm"/>
+          <inkml:channelProperty channel="Y" name="resolution" value="1000" units="1/cm"/>
+        </inkml:channelProperties>
+      </inkml:inkSource>
+      <inkml:timestamp xml:id="ts0" timeString="2025-06-16T03:46:40.371"/>
+    </inkml:context>
+    <inkml:brush xml:id="br0">
+      <inkml:brushProperty name="width" value="0.3" units="cm"/>
+      <inkml:brushProperty name="height" value="0.6" units="cm"/>
+      <inkml:brushProperty name="color" value="#00F900"/>
+      <inkml:brushProperty name="tip" value="rectangle"/>
+      <inkml:brushProperty name="rasterOp" value="maskPen"/>
+      <inkml:brushProperty name="ignorePressure" value="1"/>
+    </inkml:brush>
+  </inkml:definitions>
+  <inkml:trace contextRef="#ctx0" brushRef="#br0">2735 123,'-13'-12,"0"2,-1-1,0 2,0 0,-1 0,0 2,-1-1,0 2,0 0,0 1,-32-5,-12 2,-122-1,131 8,-1163-1,595 6,590-4,1 1,-1 1,1 2,-1 1,1 1,1 1,-51 21,75-27,0 0,0 0,0 1,1-1,-1 1,1-1,-1 1,1 0,0 0,-1 0,1 0,0 0,0 1,-1 2,2-4,1-1,0 1,0-1,0 1,0-1,0 1,1-1,-1 1,0 0,0-1,0 1,0-1,0 1,1-1,-1 0,0 1,0-1,1 1,-1-1,0 1,1-1,-1 0,1 1,-1-1,0 0,1 1,-1-1,1 0,0 1,32 9,43-1,-1-3,96-5,-70-1,1159-4,-1383 3,-933 33,785 10,223-30,0 1,0 2,-64 32,48-10,61-35,0 0,1 1,-1-1,0 1,1-1,-1 1,1 0,0 0,0 0,0 0,0 0,0 0,1 0,-1 1,1-1,-1 7,2-9,0 0,0 0,0 1,0-1,0 0,0 0,1 0,-1 0,0 1,1-1,-1 0,1 0,-1 0,1 0,0 0,-1 0,1 0,0 0,0 0,0 0,-1-1,1 1,2 1,31 12,1-8,0 0,0-3,46 0,-47-2,1385 5,-865-11,-349 4,-441 0,-595 10,809-8,-42 1,0 2,1 4,-64 16,92-11,35-13,0 0,0 0,-1 0,1 0,0 0,0 1,0-1,0 0,0 0,-1 0,1 0,0 1,0-1,0 0,0 0,0 0,0 1,0-1,0 0,0 0,0 0,0 1,0-1,0 0,0 0,0 1,0-1,0 0,0 0,0 0,0 1,0-1,0 0,0 0,0 0,0 1,0-1,0 0,1 0,-1 0,0 0,0 1,0-1,0 0,1 0,-1 0,0 0,0 0,0 0,0 1,1-1,-1 0,0 0,0 0,1 0,-1 0,0 0,1 0,21 9,-20-9,-1 0,1 1,0-1,0 1,0 0,-1-1,1 1,0 0,-1 0,1 0,-1 0,3 3,-6-1,0-1,0 1,0 0,0 0,-1-1,1 0,-1 1,0-1,0 0,0 0,0 0,0-1,0 1,0-1,-4 2,3-1,-75 32,-24 12,92-40,1 0,0 1,-1 0,2 1,-1 0,-14 17,23-24,-1 1,1 0,-1-1,1 1,0 0,-1 0,1 0,0 0,0 0,1 0,-1 0,0 0,1 0,-1 0,1 1,0-1,0 0,0 0,0 1,0-1,0 0,0 0,2 4,-1-4,1 1,-1 0,1-1,0 1,0-1,0 0,1 0,-1 0,1 0,-1 0,1 0,-1 0,1-1,5 2,7 4,1-2,0 0,0-1,34 3,-8-3,0-2,0-2,0-2,0-1,0-3,-1-1,0-2,0-2,-1-1,0-3,-1-1,64-37,-101 53,-1-1,0 1,0-1,0 1,0-1,0 0,0 1,0-1,-1 0,1 0,0 0,0 1,0-1,-1 0,1 0,0 0,-1 0,1-2,-15-2,-36 13,-54 35,81-31,-1-2,0-1,0 0,-1-2,-43 7,-45-7,-115-10,60 0,-179 3,311 0</inkml:trace>
+</inkml:ink>
+</file>
+
+<file path=ppt/ink/ink65.xml><?xml version="1.0" encoding="utf-8"?>
+<inkml:ink xmlns:inkml="http://www.w3.org/2003/InkML">
+  <inkml:definitions>
+    <inkml:context xml:id="ctx0">
+      <inkml:inkSource xml:id="inkSrc0">
+        <inkml:traceFormat>
+          <inkml:channel name="X" type="integer" min="-2.14748E9" max="2.14748E9" units="cm"/>
+          <inkml:channel name="Y" type="integer" min="-2.14748E9" max="2.14748E9" units="cm"/>
+        </inkml:traceFormat>
+        <inkml:channelProperties>
+          <inkml:channelProperty channel="X" name="resolution" value="1000" units="1/cm"/>
+          <inkml:channelProperty channel="Y" name="resolution" value="1000" units="1/cm"/>
+        </inkml:channelProperties>
+      </inkml:inkSource>
+      <inkml:timestamp xml:id="ts0" timeString="2025-06-16T03:46:49.457"/>
+    </inkml:context>
+    <inkml:brush xml:id="br0">
+      <inkml:brushProperty name="width" value="0.3" units="cm"/>
+      <inkml:brushProperty name="height" value="0.6" units="cm"/>
+      <inkml:brushProperty name="color" value="#00F900"/>
+      <inkml:brushProperty name="tip" value="rectangle"/>
+      <inkml:brushProperty name="rasterOp" value="maskPen"/>
+      <inkml:brushProperty name="ignorePressure" value="1"/>
+    </inkml:brush>
+  </inkml:definitions>
+  <inkml:trace contextRef="#ctx0" brushRef="#br0">410 199,'77'-3,"0"-3,0-4,129-32,-49 8,1 8,1 6,282 1,-264 18,175 6,-345-4,-1-1,1 1,-1 1,0-1,0 1,1 0,6 3,-12-4,0 0,0-1,0 1,0 0,0-1,0 1,0 0,0 0,0 0,-1 0,1 0,0 0,0 0,-1 0,1 0,-1 0,1 0,-1 0,0 1,1-1,-1 0,0 0,0 1,0-1,0 0,0 0,0 0,0 1,0-1,0 0,0 0,-1 1,1-1,-1 0,1 0,-1 0,1 0,-1 0,1 0,-1 0,0 0,0 0,0 0,-1 2,-11 10,-1 0,0 0,0-1,-1-1,-1-1,0 0,-33 15,19-9,-85 40,-2-4,-3-6,-1-4,-2-7,-1-4,-2-6,0-6,-2-5,-133-2,184-12,-24 0,-162 21,235-17,0 2,0 0,1 2,0 1,0 1,1 2,1 0,0 2,1 0,-36 28,54-36,1-1,-1 1,1-1,0 1,-8 13,12-18,1 0,-1 0,0 1,1-1,-1 0,1 0,-1 1,1-1,-1 0,1 0,0 1,0-1,0 0,0 1,0-1,0 0,0 1,0-1,0 0,0 1,1-1,-1 0,1 1,-1-1,1 0,-1 0,1 0,0 1,0-1,-1 0,1 0,0 0,0 0,0 0,0-1,0 1,0 0,1 0,-1-1,0 1,0 0,2 0,9 3,1 0,0-1,-1-1,1 0,0 0,0-1,18-1,3-2,57-9,-53 2,1-1,-2-2,0-2,40-20,134-84,-160 86,82-69,-109 80,-1-2,0 0,-2-1,35-53,-52 72,-1-1,0 0,0 1,-1-1,0 0,0 0,0-1,0 1,-1 0,0 0,-1-1,1 1,-2-10,1 13,-1-1,0 1,0 0,0 0,-1-1,1 1,-1 0,0 0,0 1,0-1,0 0,0 1,0-1,-1 1,1-1,-1 1,0 0,0 0,1 0,-1 1,-1-1,1 1,0 0,0-1,0 2,-6-2,-22-4,-1 2,-1 1,1 1,-52 5,32-2,-172 12,195-10,0 2,0 1,1 1,-1 2,-39 17,62-23,0 0,0 0,1 1,-1-1,1 1,0 1,0-1,0 0,1 1,-1 0,1 0,1 1,-1-1,1 1,0 0,0-1,0 1,1 1,0-1,0 0,1 1,-1-1,1 0,1 1,-1 0,1-1,1 1,-1-1,1 1,0-1,3 11,1 0,1 0,0-1,1 0,1 0,0 0,2-1,-1 0,2-1,0 0,22 21,-3-9,2-2,0-1,1-2,2 0,0-3,1-1,0-1,57 15,-21-12,1-3,0-3,119 6,-135-17,0-2,1-2,-1-3,0-2,-1-3,0-2,55-20,-85 22,0-1,-1-1,-1-2,0 0,0-2,-2 0,21-20,-27 21,-1-1,-1 0,0-1,-1-1,-1 0,-1-1,-1 0,0-1,13-40,-12 27,0-1,-3 0,0 0,-2-1,1-48,-8 76,0 0,0 0,-1 0,0 0,-1 1,1-1,-1 1,-1-1,1 1,-1 0,0 0,0 0,-1 1,0-1,0 1,0 0,0 1,-1-1,0 1,0 0,0 1,0-1,-8-2,-8-4,0 1,-1 1,0 1,-1 1,-35-5,39 8,-1 1,1 1,-1 1,1 0,-1 2,1 0,0 2,-1 0,2 1,-33 13,40-13,1 1,0 1,0-1,1 2,0 0,0 0,1 1,0 0,0 0,1 1,0 0,1 1,0-1,1 2,0-1,1 0,0 1,-4 14,4-7,0 0,1 1,1-1,1 1,1 0,0 0,1 0,2-1,0 1,1 0,1-1,0 0,13 33,-11-43,0 0,1 0,0-1,0 1,1-2,0 1,0-1,0 0,1-1,0 0,1 0,-1-1,1-1,0 1,1-1,-1-1,0 0,14 2,10 1,-1-1,1-2,0-1,55-4,-60 0,0-2,0-1,0-1,0-1,-1-1,0-2,-1-1,42-23,-53 24,0 0,-1-1,0-1,-1-1,0 0,-1 0,0-1,-1-1,-1 0,-1-1,0 0,-1-1,0 1,9-29,-11 24,-1 0,0-1,-1 0,-2 0,2-26,-5 43,0-1,0 1,0 0,0 0,-1-1,0 1,0 0,0 0,-1 0,0 0,0 0,0 1,-1-1,1 0,-1 1,0 0,0 0,-1 0,1 0,-1 0,0 0,0 1,0 0,0 0,-1 0,1 1,-8-4,-10-1,-1 0,-1 2,1 0,-1 2,-47-1,19 5,-86 11,103-6,0 1,-59 19,81-21,0 0,0 1,1 1,0 0,0 0,0 1,1 1,0 0,-18 20,10-5</inkml:trace>
+</inkml:ink>
+</file>
+
+<file path=ppt/ink/ink66.xml><?xml version="1.0" encoding="utf-8"?>
+<inkml:ink xmlns:inkml="http://www.w3.org/2003/InkML">
+  <inkml:definitions>
+    <inkml:context xml:id="ctx0">
+      <inkml:inkSource xml:id="inkSrc0">
+        <inkml:traceFormat>
+          <inkml:channel name="X" type="integer" min="-2.14748E9" max="2.14748E9" units="cm"/>
+          <inkml:channel name="Y" type="integer" min="-2.14748E9" max="2.14748E9" units="cm"/>
+        </inkml:traceFormat>
+        <inkml:channelProperties>
+          <inkml:channelProperty channel="X" name="resolution" value="1000" units="1/cm"/>
+          <inkml:channelProperty channel="Y" name="resolution" value="1000" units="1/cm"/>
+        </inkml:channelProperties>
+      </inkml:inkSource>
+      <inkml:timestamp xml:id="ts0" timeString="2025-06-16T03:46:54.588"/>
+    </inkml:context>
+    <inkml:brush xml:id="br0">
+      <inkml:brushProperty name="width" value="0.3" units="cm"/>
+      <inkml:brushProperty name="height" value="0.6" units="cm"/>
+      <inkml:brushProperty name="color" value="#00F900"/>
+      <inkml:brushProperty name="tip" value="rectangle"/>
+      <inkml:brushProperty name="rasterOp" value="maskPen"/>
+      <inkml:brushProperty name="ignorePressure" value="1"/>
+    </inkml:brush>
+  </inkml:definitions>
+  <inkml:trace contextRef="#ctx0" brushRef="#br0">1736 599,'0'-2,"-1"1,1 0,-1-1,1 1,-1 0,0-1,1 1,-1 0,0 0,0-1,0 1,0 0,0 0,0 0,0 0,0 0,-1 1,1-1,0 0,0 0,-1 1,1-1,-1 1,1-1,0 1,-1 0,-2-1,-46-6,45 6,-484-6,287 10,32-5,-177 6,268 10,69-10,-2-1,1-1,0 0,-1 0,1-1,-1-1,1 1,-1-2,-22-3,32 3,0 0,0 0,0-1,0 1,0-1,0 1,0-1,1 0,-1 1,0-1,1 0,0 0,-1 0,1 0,0 0,0-1,0 1,0 0,0-1,1 1,-1 0,1-1,0 1,-1 0,1-1,0 1,0-1,1 1,-1-1,0 1,1 0,0-1,-1 1,2-3,2-8,0 0,1 0,0 1,13-22,14-10,1 0,3 3,1 0,52-42,-79 74,0 0,1 1,0 0,0 1,1 0,0 0,1 2,21-8,-13 7,1 2,0 1,-1 0,37 2,39 1,0 4,118 20,-31 3,2-7,258-7,63-16,-500 3,2-1,-1 1,1 1,-1-1,1 2,-1-1,9 3,-17-4,0 0,-1 0,1 0,0 0,0 0,0 0,-1 1,1-1,0 0,0 0,0 0,-1 0,1 0,0 0,0 1,0-1,-1 0,1 0,0 0,0 0,0 1,0-1,0 0,0 0,0 0,-1 1,1-1,0 0,0 0,0 1,0-1,0 0,0 0,0 1,0-1,0 0,0 0,0 0,0 1,0-1,0 0,1 0,-1 1,0-1,0 0,0 0,0 0,0 1,0-1,0 0,1 0,-1 0,0 0,0 1,0-1,0 0,1 0,-1 0,0 0,0 0,1 0,-1 0,0 0,0 1,-25 5,-95 6,-182-7,171-5,-136-1,-515 26,752-22,-49 12,69-12,1 0,0 0,0 1,0 1,0-1,1 1,0 0,-14 12,-44 37,-1-3,-82 46,-35 25,-8 34,186-151,0 1,0 0,1 0,0 0,-8 12,12-17,1 0,-1 1,0-1,1 1,-1-1,1 0,-1 1,1-1,0 1,-1-1,1 1,0 0,0-1,0 1,0-1,1 1,-1-1,0 1,1-1,-1 1,1-1,-1 0,1 1,0-1,-1 0,1 1,0-1,0 0,0 0,0 1,0-1,0 0,0 0,1 0,-1-1,0 1,3 1,8 4,1-1,0-1,0 0,0-1,1 0,-1-1,1 0,21-1,-20 0,898 4,-809-8,148-24,-214 21,-1-3,-1-1,1-1,-2-2,1-2,-2-1,44-28,-7-4,-15 9,1 3,77-36,-92 54,-21 10,0-1,0-1,-1-1,29-21,-48 32,-1-1,1 1,0-1,0 0,0 0,0 0,0 1,-1-1,1 0,0 0,-1 0,1 0,-1 0,1 0,-1 0,1-1,-1 1,1-1,-1 1,-1 1,1-1,0 0,0 1,0-1,-1 1,1-1,0 1,-1-1,1 1,-1-1,1 1,0-1,-1 1,1-1,-1 1,1 0,-1-1,1 1,-1 0,0-1,1 1,-2 0,-42-9,0 7,0 2,1 2,-63 11,-127 36,78-3,134-38,-1 1,1 1,1 1,-35 24,52-33,1 0,-1 0,1 0,-1 1,1-1,0 1,0-1,0 1,0 0,0 0,1-1,-1 1,-1 6,3-7,0-1,0 1,0 0,0 0,0 0,1 0,-1 0,1-1,-1 1,1 0,0 0,0-1,-1 1,1-1,0 1,1 0,-1-1,0 0,0 1,1-1,-1 0,0 0,1 1,-1-1,1 0,3 1,23 13,0-2,1-1,1-1,0-2,0-1,39 6,-13-2,368 67,-311-65,207-1,-270-15,0-2,51-11,-84 12,-1-1,1-1,-1 0,0-1,-1-1,0-1,0 0,0 0,20-18,-29 21,0-1,-1 0,0 0,0-1,-1 1,0-1,0 0,0 0,-1 0,0-1,-1 1,1-1,-1 0,-1 1,0-1,0 0,0 0,-1 0,0 0,-1 0,1 0,-3-9,-5-16,-1 0,-1 0,-27-57,19 50,16 34,0 0,-1-1,0 1,0 0,0 1,-1-1,0 1,0-1,0 1,-1 1,0-1,0 0,0 1,0 0,-1 0,0 1,0 0,0 0,0 0,0 0,0 1,-1 0,1 1,-13-2,-3 1,0 2,-1 0,1 2,0 0,-1 2,1 0,-39 14,9 1,0 2,-48 28,81-40,11-5,0-1,1 1,0 0,0 0,0 1,0-1,1 2,-1-1,1 1,1 0,-10 13,14-19,1 1,0 0,0 0,0 0,-1 0,1 0,0 0,0 0,0 0,0 0,1 0,-1 0,0 0,0 0,1 0,-1 0,0 0,1 0,-1 0,1 0,-1-1,1 1,0 0,-1 0,1 0,0-1,-1 1,1 0,0-1,0 1,0-1,-1 1,1-1,0 1,0-1,0 0,0 1,0-1,0 0,0 0,0 0,0 0,0 0,1 0,52 6,-51-6,19 1,1-1,-1-1,1-2,-1 0,32-9,-44 9,0 0,0-1,0-1,0 1,0-2,-1 1,0-1,0-1,-1 0,1 0,-1 0,-1-1,10-13,-11 12,-2 0,1-1,-2 1,1-1,-1 0,-1 1,1-2,-2 1,1 0,-2 0,0-19,0 13,-1 0,-1 0,-1 0,0 0,-1 1,-11-29,9 34,0-1,0 1,-1 0,0 0,0 1,-1 0,-1 0,1 1,-1 0,-16-10,-17-8</inkml:trace>
+</inkml:ink>
+</file>
+
+<file path=ppt/ink/ink67.xml><?xml version="1.0" encoding="utf-8"?>
+<inkml:ink xmlns:inkml="http://www.w3.org/2003/InkML">
+  <inkml:definitions>
+    <inkml:context xml:id="ctx0">
+      <inkml:inkSource xml:id="inkSrc0">
+        <inkml:traceFormat>
+          <inkml:channel name="X" type="integer" min="-2.14748E9" max="2.14748E9" units="cm"/>
+          <inkml:channel name="Y" type="integer" min="-2.14748E9" max="2.14748E9" units="cm"/>
+        </inkml:traceFormat>
+        <inkml:channelProperties>
+          <inkml:channelProperty channel="X" name="resolution" value="1000" units="1/cm"/>
+          <inkml:channelProperty channel="Y" name="resolution" value="1000" units="1/cm"/>
+        </inkml:channelProperties>
+      </inkml:inkSource>
+      <inkml:timestamp xml:id="ts0" timeString="2025-06-16T03:47:06.873"/>
+    </inkml:context>
+    <inkml:brush xml:id="br0">
+      <inkml:brushProperty name="width" value="0.3" units="cm"/>
+      <inkml:brushProperty name="height" value="0.6" units="cm"/>
+      <inkml:brushProperty name="color" value="#00F900"/>
+      <inkml:brushProperty name="tip" value="rectangle"/>
+      <inkml:brushProperty name="rasterOp" value="maskPen"/>
+      <inkml:brushProperty name="ignorePressure" value="1"/>
+    </inkml:brush>
+  </inkml:definitions>
+  <inkml:trace contextRef="#ctx0" brushRef="#br0">1421 79,'-75'5,"1"3,1 3,-86 25,143-32,-9 2,1 2,-1 1,1 0,1 2,0 1,0 1,1 0,1 2,0 1,2 0,-1 2,2 0,0 1,2 0,-22 33,23-28,0 2,2 0,1 0,1 1,2 0,0 1,2 0,1 0,1 1,2 0,0 0,2 0,5 45,-4-68,1 1,0-1,1 1,0-1,0 0,0 1,1-1,-1 0,1-1,1 1,-1 0,1-1,0 0,1 0,8 8,-5-7,0 0,0 0,1-1,0 0,0-1,0 0,1-1,-1 1,17 2,-5-3,0 0,0-2,-1 0,1-1,0-1,0-2,0 0,-1 0,32-11,-33 6,-1-1,-1-1,1 0,-2-1,1-1,-2 0,0-2,0 1,-1-2,-1 0,0-1,-1 0,-1 0,0-1,-2-1,0 0,-1 0,10-31,-17 39,1 0,-2 0,1 0,-1-1,-1 1,0 0,0-1,-1 1,-1 0,1 0,-2 1,-7-19,9 23,0 0,-1 1,0-1,1 1,-1-1,-1 1,1 0,-1 0,1 0,-1 0,0 1,-1 0,1 0,0 0,-1 0,0 1,0-1,1 1,-1 0,0 1,-1-1,1 1,0 0,0 1,-1-1,-6 1,6 1,0 0,1 0,-1 1,1 0,-1 0,1 0,0 1,0-1,0 1,0 1,1-1,-1 1,1-1,0 1,0 1,0-1,0 0,1 1,0 0,0 0,0 0,1 0,-1 0,-2 10,-2 5,2 1,0 0,1-1,1 1,-1 29,4-33,-1 0,2 0,0 0,1 0,1 0,0 0,8 19,-8-28,0 0,1-1,0 1,0-1,1-1,0 1,0 0,1-1,0 0,0-1,0 1,1-1,0 0,0-1,0 1,14 5,-9-5,0 0,0-1,0-1,0 0,1-1,-1 0,1-1,0 0,25-2,-33 0,1 1,-1-1,1-1,-1 1,1-1,-1 0,0 0,0-1,0 1,0-1,0 0,0-1,-1 1,0-1,0 0,0 0,0 0,0 0,-1-1,0 1,0-1,0 0,0 0,3-10,-1-2,-1-2,-1 1,-1 0,0-1,-1 1,-1-1,-1 1,-1-1,-5-27,-7-16,-30-87,37 129,-1 0,-1 1,0 0,-2 0,0 1,-1 1,-1 0,0 0,-1 1,-1 1,-1 0,0 1,-1 1,0 1,-1 0,0 1,-1 1,-30-12,-57-17,0 4,-3 5,-143-20,226 47,1 1,0 2,-1 1,1 0,-45 10,55-8,1 1,-1 1,0 0,1 0,0 2,1 0,-1 0,1 1,1 1,-21 18,28-21,-1 1,1 0,1 1,0-1,0 1,0 0,1 0,0 0,0 0,1 0,0 1,1-1,0 1,0-1,1 11,0 9,2 0,0 0,9 36,-2-27,2-2,1 0,2 0,1-1,2-1,1 0,1-2,28 35,-35-53,1 0,1-1,0 0,1-1,0-1,0 0,1-1,0-1,1 0,0-1,0-1,0-1,1 0,32 4,-37-8,-1 0,1 0,0-1,-1-1,1 0,0-1,-1 0,1-1,12-4,-19 5,-1-1,1 0,0 0,-1 0,0-1,0 0,0 0,0 0,0 0,-1-1,0 0,0 0,0 0,-1 0,1-1,-1 1,0-1,-1 0,0 0,2-7,2-11,-1-1,-2 1,0-1,-2 0,-1 0,-4-43,-1 34,-1 0,-1 1,-2 0,-18-44,25 72,0 0,0 0,-1 0,0 0,0 1,0-1,0 1,-1 0,0-1,0 2,0-1,0 0,-1 1,1 0,-1 0,0 0,1 1,-1 0,-1-1,1 2,-8-3,7 3,1 1,-1 0,0 0,0 0,0 1,0 0,1 0,-1 1,0-1,1 1,-1 0,1 1,0-1,0 1,0 0,0 0,0 1,0-1,1 1,-5 5,0 1,1 1,0 0,0 0,1 0,1 1,0 0,0 1,1-1,-5 24,2-1,1 0,-3 53,9-67,1 0,1-1,1 1,0 0,2-1,0 0,2 0,0 0,1 0,1-1,1 0,0-1,2 0,0 0,1-1,1-1,0 0,1 0,1-2,0 0,1 0,0-2,1 0,1 0,0-2,0 0,1-2,0 0,30 8,-22-8,-1-2,1-1,1-2,-1 0,0-2,1 0,36-6,-53 4,0-1,0 0,-1-1,1-1,-1 1,1-2,-1 1,0-1,-1-1,1 0,-1 0,0-1,-1 0,0-1,0 1,0-2,-1 1,0-1,-1 0,11-19,2-16,-3 1,-1-2,-2 0,-2-1,-2 0,4-53,-10 11,-3 47</inkml:trace>
+</inkml:ink>
+</file>
+
+<file path=ppt/ink/ink68.xml><?xml version="1.0" encoding="utf-8"?>
+<inkml:ink xmlns:inkml="http://www.w3.org/2003/InkML">
+  <inkml:definitions>
+    <inkml:context xml:id="ctx0">
+      <inkml:inkSource xml:id="inkSrc0">
+        <inkml:traceFormat>
+          <inkml:channel name="X" type="integer" min="-2.14748E9" max="2.14748E9" units="cm"/>
+          <inkml:channel name="Y" type="integer" min="-2.14748E9" max="2.14748E9" units="cm"/>
+        </inkml:traceFormat>
+        <inkml:channelProperties>
+          <inkml:channelProperty channel="X" name="resolution" value="1000" units="1/cm"/>
+          <inkml:channelProperty channel="Y" name="resolution" value="1000" units="1/cm"/>
+        </inkml:channelProperties>
+      </inkml:inkSource>
+      <inkml:timestamp xml:id="ts0" timeString="2025-06-16T03:47:07.339"/>
+    </inkml:context>
+    <inkml:brush xml:id="br0">
+      <inkml:brushProperty name="width" value="0.3" units="cm"/>
+      <inkml:brushProperty name="height" value="0.6" units="cm"/>
+      <inkml:brushProperty name="color" value="#00F900"/>
+      <inkml:brushProperty name="tip" value="rectangle"/>
+      <inkml:brushProperty name="rasterOp" value="maskPen"/>
+      <inkml:brushProperty name="ignorePressure" value="1"/>
+    </inkml:brush>
+  </inkml:definitions>
+  <inkml:trace contextRef="#ctx0" brushRef="#br0">0 70,'7'0,"2"-7,-1-8,-1-9,-3 0</inkml:trace>
+</inkml:ink>
+</file>
+
+<file path=ppt/ink/ink69.xml><?xml version="1.0" encoding="utf-8"?>
+<inkml:ink xmlns:inkml="http://www.w3.org/2003/InkML">
+  <inkml:definitions>
+    <inkml:context xml:id="ctx0">
+      <inkml:inkSource xml:id="inkSrc0">
+        <inkml:traceFormat>
+          <inkml:channel name="X" type="integer" min="-2.14748E9" max="2.14748E9" units="cm"/>
+          <inkml:channel name="Y" type="integer" min="-2.14748E9" max="2.14748E9" units="cm"/>
+        </inkml:traceFormat>
+        <inkml:channelProperties>
+          <inkml:channelProperty channel="X" name="resolution" value="1000" units="1/cm"/>
+          <inkml:channelProperty channel="Y" name="resolution" value="1000" units="1/cm"/>
+        </inkml:channelProperties>
+      </inkml:inkSource>
+      <inkml:timestamp xml:id="ts0" timeString="2025-06-16T03:47:07.839"/>
+    </inkml:context>
+    <inkml:brush xml:id="br0">
+      <inkml:brushProperty name="width" value="0.3" units="cm"/>
+      <inkml:brushProperty name="height" value="0.6" units="cm"/>
+      <inkml:brushProperty name="color" value="#00F900"/>
+      <inkml:brushProperty name="tip" value="rectangle"/>
+      <inkml:brushProperty name="rasterOp" value="maskPen"/>
+      <inkml:brushProperty name="ignorePressure" value="1"/>
+    </inkml:brush>
+  </inkml:definitions>
+  <inkml:trace contextRef="#ctx0" brushRef="#br0">1 16,'0'-7,"0"-2</inkml:trace>
+</inkml:ink>
+</file>
+
 <file path=ppt/ink/ink7.xml><?xml version="1.0" encoding="utf-8"?>
 <inkml:ink xmlns:inkml="http://www.w3.org/2003/InkML">
   <inkml:definitions>
@@ -1903,6 +2089,64 @@
     </inkml:brush>
   </inkml:definitions>
   <inkml:trace contextRef="#ctx0" brushRef="#br0">20 745,'245'2,"281"-5,-454 0,-1-4,0-2,112-31,-158 32,-1-2,37-20,-6 2,-36 19,0-1,-1-1,0-1,0 0,18-19,-30 26,-1 1,0-2,0 1,0 0,0-1,-1 0,0 0,-1-1,1 1,-1-1,0 1,-1-1,0 0,0 0,0 0,-1 0,0-1,0-12,-2 14,-1 0,0 1,0-1,0 1,0 0,-1 0,0 0,0 0,-1 0,1 0,-1 1,0 0,-1 0,1 0,0 0,-7-3,-10-8,0 2,-30-15,16 12,-1 1,0 2,-1 1,-1 2,0 2,-54-6,-240 7,286 7,-294-13,275 6,0-3,1-3,-75-25,114 25,24 13,1 0,0 0,0 0,0 0,-1 0,1-1,0 1,0 0,0 0,-1 0,1 0,0-1,0 1,0 0,0 0,0 0,-1-1,1 1,0 0,0 0,0-1,0 1,0 0,0 0,0-1,0 1,0 0,0 0,0-1,0 1,0 0,0 0,0-1,0 1,0 0,1 0,-1-1,0 1,0 0,0 0,0-1,1 1,2-2,1 1,-1-1,1 1,0 0,-1 0,1 0,0 0,0 1,6-1,430-5,40-4,-361-5,-113 13,-9 0,-23-1,-41 0,20 3,0 1,0 3,0 2,1 2,0 2,0 2,2 1,-1 3,2 2,-77 42,113-55,-1 0,1 1,0 0,1 0,-1 0,1 1,1-1,-1 1,1 1,0-1,1 1,-1 0,2 0,-1 0,1 1,0-1,1 1,0 0,0 0,1 0,0 0,1-1,0 1,0 0,1 0,0 0,1 0,0 0,0 0,4 8,1 0,0-1,1 0,1 0,1-1,0 0,1 0,23 23,0-5,67 50,-78-66,1-2,1-1,0 0,1-2,0-1,1-1,0-2,1 0,0-2,0-1,0-1,1-2,44-1,218-6,-225 4</inkml:trace>
+</inkml:ink>
+</file>
+
+<file path=ppt/ink/ink70.xml><?xml version="1.0" encoding="utf-8"?>
+<inkml:ink xmlns:inkml="http://www.w3.org/2003/InkML">
+  <inkml:definitions>
+    <inkml:context xml:id="ctx0">
+      <inkml:inkSource xml:id="inkSrc0">
+        <inkml:traceFormat>
+          <inkml:channel name="X" type="integer" min="-2.14748E9" max="2.14748E9" units="cm"/>
+          <inkml:channel name="Y" type="integer" min="-2.14748E9" max="2.14748E9" units="cm"/>
+        </inkml:traceFormat>
+        <inkml:channelProperties>
+          <inkml:channelProperty channel="X" name="resolution" value="1000" units="1/cm"/>
+          <inkml:channelProperty channel="Y" name="resolution" value="1000" units="1/cm"/>
+        </inkml:channelProperties>
+      </inkml:inkSource>
+      <inkml:timestamp xml:id="ts0" timeString="2025-06-16T03:47:07.979"/>
+    </inkml:context>
+    <inkml:brush xml:id="br0">
+      <inkml:brushProperty name="width" value="0.3" units="cm"/>
+      <inkml:brushProperty name="height" value="0.6" units="cm"/>
+      <inkml:brushProperty name="color" value="#00F900"/>
+      <inkml:brushProperty name="tip" value="rectangle"/>
+      <inkml:brushProperty name="rasterOp" value="maskPen"/>
+      <inkml:brushProperty name="ignorePressure" value="1"/>
+    </inkml:brush>
+  </inkml:definitions>
+  <inkml:trace contextRef="#ctx0" brushRef="#br0">1 0,'0'0</inkml:trace>
+</inkml:ink>
+</file>
+
+<file path=ppt/ink/ink71.xml><?xml version="1.0" encoding="utf-8"?>
+<inkml:ink xmlns:inkml="http://www.w3.org/2003/InkML">
+  <inkml:definitions>
+    <inkml:context xml:id="ctx0">
+      <inkml:inkSource xml:id="inkSrc0">
+        <inkml:traceFormat>
+          <inkml:channel name="X" type="integer" min="-2.14748E9" max="2.14748E9" units="cm"/>
+          <inkml:channel name="Y" type="integer" min="-2.14748E9" max="2.14748E9" units="cm"/>
+        </inkml:traceFormat>
+        <inkml:channelProperties>
+          <inkml:channelProperty channel="X" name="resolution" value="1000" units="1/cm"/>
+          <inkml:channelProperty channel="Y" name="resolution" value="1000" units="1/cm"/>
+        </inkml:channelProperties>
+      </inkml:inkSource>
+      <inkml:timestamp xml:id="ts0" timeString="2025-06-16T03:47:10.493"/>
+    </inkml:context>
+    <inkml:brush xml:id="br0">
+      <inkml:brushProperty name="width" value="0.3" units="cm"/>
+      <inkml:brushProperty name="height" value="0.6" units="cm"/>
+      <inkml:brushProperty name="color" value="#00F900"/>
+      <inkml:brushProperty name="tip" value="rectangle"/>
+      <inkml:brushProperty name="rasterOp" value="maskPen"/>
+      <inkml:brushProperty name="ignorePressure" value="1"/>
+    </inkml:brush>
+  </inkml:definitions>
+  <inkml:trace contextRef="#ctx0" brushRef="#br0">825 516,'1'114,"-3"126,0-230,0 0,-1 0,0-1,-1 1,0-1,0 0,0 0,-2 0,1-1,-1 1,0-1,0-1,-1 1,0-1,-1 0,0-1,0 0,-15 9,7-5,-1 0,-1-1,1-1,-2-1,1 0,-1-2,0 0,-35 5,25-8,-1-1,0-1,0-1,1-1,-1-2,1-2,0 0,0-2,0-1,-30-14,82 31,0-1,37 5,-34-6,1-1,0 0,0-2,45 0,-58-4,-1 0,1-1,-1 0,1-1,-1-1,0 0,-1-1,1 0,16-10,32-24,-2-2,-1-3,63-63,-109 95,0 0,-1-1,0-1,-1 0,-1-1,0 1,-1-2,-1 1,0-1,-1 0,-1-1,-1 1,0-1,-1 0,-1 0,0 0,-1-23,-12-37,-27-103,23 117,13 53,-1-1,0 1,-1 0,0-1,-1 2,0-1,0 1,-1-1,0 1,-1 1,0-1,0 1,-1 1,0-1,0 1,-1 1,1-1,-2 2,1-1,-1 1,1 1,-1-1,-1 2,1-1,-1 1,1 1,-18-2,7 0,0 2,0 0,0 1,0 1,0 1,0 1,0 1,1 1,-1 0,1 2,0 0,0 1,1 2,-19 9,12-4,1 1,1 0,1 2,0 1,1 1,1 1,0 0,-29 41,28-29,2 1,1 1,1 1,2 1,2 1,1 0,2 0,1 1,3 0,0 1,3 0,0 61,4-97,7 110,-5-99,1-1,0-1,1 1,1 0,0-1,10 18,-5-10,2-1,0-1,1 0,1-1,1 0,0-1,1-1,0 0,1-1,1-1,1-1,0 0,0-1,1-1,0-2,1 1,30 6,-6-5,0-2,1-3,0-1,0-2,68-7,-91 2,0-1,-1-1,0-1,0-2,0 0,-1-1,0 0,-1-2,0-1,-1-1,0 0,21-20,-34 27,0-1,-1-1,0 1,0-1,-1 1,6-14,2-10</inkml:trace>
 </inkml:ink>
 </file>
 
@@ -2113,7 +2357,7 @@
           <a:p>
             <a:fld id="{A1C32A86-DFE8-40F6-B4BB-AE7C3823F9DC}" type="datetimeFigureOut">
               <a:rPr lang="es-GT" smtClean="0"/>
-              <a:t>12/06/2025</a:t>
+              <a:t>15/06/2025</a:t>
             </a:fld>
             <a:endParaRPr lang="es-GT"/>
           </a:p>
@@ -2313,7 +2557,7 @@
           <a:p>
             <a:fld id="{A1C32A86-DFE8-40F6-B4BB-AE7C3823F9DC}" type="datetimeFigureOut">
               <a:rPr lang="es-GT" smtClean="0"/>
-              <a:t>12/06/2025</a:t>
+              <a:t>15/06/2025</a:t>
             </a:fld>
             <a:endParaRPr lang="es-GT"/>
           </a:p>
@@ -2523,7 +2767,7 @@
           <a:p>
             <a:fld id="{A1C32A86-DFE8-40F6-B4BB-AE7C3823F9DC}" type="datetimeFigureOut">
               <a:rPr lang="es-GT" smtClean="0"/>
-              <a:t>12/06/2025</a:t>
+              <a:t>15/06/2025</a:t>
             </a:fld>
             <a:endParaRPr lang="es-GT"/>
           </a:p>
@@ -2723,7 +2967,7 @@
           <a:p>
             <a:fld id="{A1C32A86-DFE8-40F6-B4BB-AE7C3823F9DC}" type="datetimeFigureOut">
               <a:rPr lang="es-GT" smtClean="0"/>
-              <a:t>12/06/2025</a:t>
+              <a:t>15/06/2025</a:t>
             </a:fld>
             <a:endParaRPr lang="es-GT"/>
           </a:p>
@@ -2999,7 +3243,7 @@
           <a:p>
             <a:fld id="{A1C32A86-DFE8-40F6-B4BB-AE7C3823F9DC}" type="datetimeFigureOut">
               <a:rPr lang="es-GT" smtClean="0"/>
-              <a:t>12/06/2025</a:t>
+              <a:t>15/06/2025</a:t>
             </a:fld>
             <a:endParaRPr lang="es-GT"/>
           </a:p>
@@ -3267,7 +3511,7 @@
           <a:p>
             <a:fld id="{A1C32A86-DFE8-40F6-B4BB-AE7C3823F9DC}" type="datetimeFigureOut">
               <a:rPr lang="es-GT" smtClean="0"/>
-              <a:t>12/06/2025</a:t>
+              <a:t>15/06/2025</a:t>
             </a:fld>
             <a:endParaRPr lang="es-GT"/>
           </a:p>
@@ -3682,7 +3926,7 @@
           <a:p>
             <a:fld id="{A1C32A86-DFE8-40F6-B4BB-AE7C3823F9DC}" type="datetimeFigureOut">
               <a:rPr lang="es-GT" smtClean="0"/>
-              <a:t>12/06/2025</a:t>
+              <a:t>15/06/2025</a:t>
             </a:fld>
             <a:endParaRPr lang="es-GT"/>
           </a:p>
@@ -3824,7 +4068,7 @@
           <a:p>
             <a:fld id="{A1C32A86-DFE8-40F6-B4BB-AE7C3823F9DC}" type="datetimeFigureOut">
               <a:rPr lang="es-GT" smtClean="0"/>
-              <a:t>12/06/2025</a:t>
+              <a:t>15/06/2025</a:t>
             </a:fld>
             <a:endParaRPr lang="es-GT"/>
           </a:p>
@@ -3937,7 +4181,7 @@
           <a:p>
             <a:fld id="{A1C32A86-DFE8-40F6-B4BB-AE7C3823F9DC}" type="datetimeFigureOut">
               <a:rPr lang="es-GT" smtClean="0"/>
-              <a:t>12/06/2025</a:t>
+              <a:t>15/06/2025</a:t>
             </a:fld>
             <a:endParaRPr lang="es-GT"/>
           </a:p>
@@ -4250,7 +4494,7 @@
           <a:p>
             <a:fld id="{A1C32A86-DFE8-40F6-B4BB-AE7C3823F9DC}" type="datetimeFigureOut">
               <a:rPr lang="es-GT" smtClean="0"/>
-              <a:t>12/06/2025</a:t>
+              <a:t>15/06/2025</a:t>
             </a:fld>
             <a:endParaRPr lang="es-GT"/>
           </a:p>
@@ -4539,7 +4783,7 @@
           <a:p>
             <a:fld id="{A1C32A86-DFE8-40F6-B4BB-AE7C3823F9DC}" type="datetimeFigureOut">
               <a:rPr lang="es-GT" smtClean="0"/>
-              <a:t>12/06/2025</a:t>
+              <a:t>15/06/2025</a:t>
             </a:fld>
             <a:endParaRPr lang="es-GT"/>
           </a:p>
@@ -4782,7 +5026,7 @@
           <a:p>
             <a:fld id="{A1C32A86-DFE8-40F6-B4BB-AE7C3823F9DC}" type="datetimeFigureOut">
               <a:rPr lang="es-GT" smtClean="0"/>
-              <a:t>12/06/2025</a:t>
+              <a:t>15/06/2025</a:t>
             </a:fld>
             <a:endParaRPr lang="es-GT"/>
           </a:p>
@@ -5385,8 +5629,8 @@
           </a:prstGeom>
         </p:spPr>
       </p:pic>
-      <mc:AlternateContent xmlns:mc="http://schemas.openxmlformats.org/markup-compatibility/2006">
-        <mc:Choice xmlns:p14="http://schemas.microsoft.com/office/powerpoint/2010/main" Requires="p14">
+      <mc:AlternateContent xmlns:mc="http://schemas.openxmlformats.org/markup-compatibility/2006" xmlns:p14="http://schemas.microsoft.com/office/powerpoint/2010/main">
+        <mc:Choice Requires="p14">
           <p:contentPart p14:bwMode="auto" r:id="rId3">
             <p14:nvContentPartPr>
               <p14:cNvPr id="4" name="Entrada de lápiz 3">
@@ -5405,7 +5649,7 @@
             </p14:xfrm>
           </p:contentPart>
         </mc:Choice>
-        <mc:Fallback>
+        <mc:Fallback xmlns="">
           <p:pic>
             <p:nvPicPr>
               <p:cNvPr id="4" name="Entrada de lápiz 3">
@@ -5653,8 +5897,8 @@
           </a:prstGeom>
         </p:spPr>
       </p:pic>
-      <mc:AlternateContent xmlns:mc="http://schemas.openxmlformats.org/markup-compatibility/2006">
-        <mc:Choice xmlns:p14="http://schemas.microsoft.com/office/powerpoint/2010/main" Requires="p14">
+      <mc:AlternateContent xmlns:mc="http://schemas.openxmlformats.org/markup-compatibility/2006" xmlns:p14="http://schemas.microsoft.com/office/powerpoint/2010/main">
+        <mc:Choice Requires="p14">
           <p:contentPart p14:bwMode="auto" r:id="rId3">
             <p14:nvContentPartPr>
               <p14:cNvPr id="4" name="Entrada de lápiz 3">
@@ -5673,7 +5917,7 @@
             </p14:xfrm>
           </p:contentPart>
         </mc:Choice>
-        <mc:Fallback>
+        <mc:Fallback xmlns="">
           <p:pic>
             <p:nvPicPr>
               <p:cNvPr id="4" name="Entrada de lápiz 3">
@@ -5704,8 +5948,8 @@
           </p:pic>
         </mc:Fallback>
       </mc:AlternateContent>
-      <mc:AlternateContent xmlns:mc="http://schemas.openxmlformats.org/markup-compatibility/2006">
-        <mc:Choice xmlns:p14="http://schemas.microsoft.com/office/powerpoint/2010/main" Requires="p14">
+      <mc:AlternateContent xmlns:mc="http://schemas.openxmlformats.org/markup-compatibility/2006" xmlns:p14="http://schemas.microsoft.com/office/powerpoint/2010/main">
+        <mc:Choice Requires="p14">
           <p:contentPart p14:bwMode="auto" r:id="rId5">
             <p14:nvContentPartPr>
               <p14:cNvPr id="5" name="Entrada de lápiz 4">
@@ -5724,7 +5968,7 @@
             </p14:xfrm>
           </p:contentPart>
         </mc:Choice>
-        <mc:Fallback>
+        <mc:Fallback xmlns="">
           <p:pic>
             <p:nvPicPr>
               <p:cNvPr id="5" name="Entrada de lápiz 4">
@@ -5860,8 +6104,8 @@
           </a:p>
         </p:txBody>
       </p:sp>
-      <mc:AlternateContent xmlns:mc="http://schemas.openxmlformats.org/markup-compatibility/2006">
-        <mc:Choice xmlns:p14="http://schemas.microsoft.com/office/powerpoint/2010/main" Requires="p14">
+      <mc:AlternateContent xmlns:mc="http://schemas.openxmlformats.org/markup-compatibility/2006" xmlns:p14="http://schemas.microsoft.com/office/powerpoint/2010/main">
+        <mc:Choice Requires="p14">
           <p:contentPart p14:bwMode="auto" r:id="rId3">
             <p14:nvContentPartPr>
               <p14:cNvPr id="6" name="Entrada de lápiz 5">
@@ -5880,7 +6124,7 @@
             </p14:xfrm>
           </p:contentPart>
         </mc:Choice>
-        <mc:Fallback>
+        <mc:Fallback xmlns="">
           <p:pic>
             <p:nvPicPr>
               <p:cNvPr id="6" name="Entrada de lápiz 5">
@@ -5911,8 +6155,8 @@
           </p:pic>
         </mc:Fallback>
       </mc:AlternateContent>
-      <mc:AlternateContent xmlns:mc="http://schemas.openxmlformats.org/markup-compatibility/2006">
-        <mc:Choice xmlns:p14="http://schemas.microsoft.com/office/powerpoint/2010/main" Requires="p14">
+      <mc:AlternateContent xmlns:mc="http://schemas.openxmlformats.org/markup-compatibility/2006" xmlns:p14="http://schemas.microsoft.com/office/powerpoint/2010/main">
+        <mc:Choice Requires="p14">
           <p:contentPart p14:bwMode="auto" r:id="rId5">
             <p14:nvContentPartPr>
               <p14:cNvPr id="7" name="Entrada de lápiz 6">
@@ -5931,7 +6175,7 @@
             </p14:xfrm>
           </p:contentPart>
         </mc:Choice>
-        <mc:Fallback>
+        <mc:Fallback xmlns="">
           <p:pic>
             <p:nvPicPr>
               <p:cNvPr id="7" name="Entrada de lápiz 6">
@@ -5962,8 +6206,8 @@
           </p:pic>
         </mc:Fallback>
       </mc:AlternateContent>
-      <mc:AlternateContent xmlns:mc="http://schemas.openxmlformats.org/markup-compatibility/2006">
-        <mc:Choice xmlns:p14="http://schemas.microsoft.com/office/powerpoint/2010/main" Requires="p14">
+      <mc:AlternateContent xmlns:mc="http://schemas.openxmlformats.org/markup-compatibility/2006" xmlns:p14="http://schemas.microsoft.com/office/powerpoint/2010/main">
+        <mc:Choice Requires="p14">
           <p:contentPart p14:bwMode="auto" r:id="rId7">
             <p14:nvContentPartPr>
               <p14:cNvPr id="8" name="Entrada de lápiz 7">
@@ -5982,7 +6226,7 @@
             </p14:xfrm>
           </p:contentPart>
         </mc:Choice>
-        <mc:Fallback>
+        <mc:Fallback xmlns="">
           <p:pic>
             <p:nvPicPr>
               <p:cNvPr id="8" name="Entrada de lápiz 7">
@@ -6013,8 +6257,8 @@
           </p:pic>
         </mc:Fallback>
       </mc:AlternateContent>
-      <mc:AlternateContent xmlns:mc="http://schemas.openxmlformats.org/markup-compatibility/2006">
-        <mc:Choice xmlns:p14="http://schemas.microsoft.com/office/powerpoint/2010/main" Requires="p14">
+      <mc:AlternateContent xmlns:mc="http://schemas.openxmlformats.org/markup-compatibility/2006" xmlns:p14="http://schemas.microsoft.com/office/powerpoint/2010/main">
+        <mc:Choice Requires="p14">
           <p:contentPart p14:bwMode="auto" r:id="rId9">
             <p14:nvContentPartPr>
               <p14:cNvPr id="9" name="Entrada de lápiz 8">
@@ -6033,7 +6277,7 @@
             </p14:xfrm>
           </p:contentPart>
         </mc:Choice>
-        <mc:Fallback>
+        <mc:Fallback xmlns="">
           <p:pic>
             <p:nvPicPr>
               <p:cNvPr id="9" name="Entrada de lápiz 8">
@@ -6250,8 +6494,8 @@
           </a:prstGeom>
         </p:spPr>
       </p:pic>
-      <mc:AlternateContent xmlns:mc="http://schemas.openxmlformats.org/markup-compatibility/2006">
-        <mc:Choice xmlns:p14="http://schemas.microsoft.com/office/powerpoint/2010/main" Requires="p14">
+      <mc:AlternateContent xmlns:mc="http://schemas.openxmlformats.org/markup-compatibility/2006" xmlns:p14="http://schemas.microsoft.com/office/powerpoint/2010/main">
+        <mc:Choice Requires="p14">
           <p:contentPart p14:bwMode="auto" r:id="rId3">
             <p14:nvContentPartPr>
               <p14:cNvPr id="4" name="Entrada de lápiz 3">
@@ -6270,7 +6514,7 @@
             </p14:xfrm>
           </p:contentPart>
         </mc:Choice>
-        <mc:Fallback>
+        <mc:Fallback xmlns="">
           <p:pic>
             <p:nvPicPr>
               <p:cNvPr id="4" name="Entrada de lápiz 3">
@@ -6301,8 +6545,8 @@
           </p:pic>
         </mc:Fallback>
       </mc:AlternateContent>
-      <mc:AlternateContent xmlns:mc="http://schemas.openxmlformats.org/markup-compatibility/2006">
-        <mc:Choice xmlns:p14="http://schemas.microsoft.com/office/powerpoint/2010/main" Requires="p14">
+      <mc:AlternateContent xmlns:mc="http://schemas.openxmlformats.org/markup-compatibility/2006" xmlns:p14="http://schemas.microsoft.com/office/powerpoint/2010/main">
+        <mc:Choice Requires="p14">
           <p:contentPart p14:bwMode="auto" r:id="rId5">
             <p14:nvContentPartPr>
               <p14:cNvPr id="5" name="Entrada de lápiz 4">
@@ -6321,7 +6565,7 @@
             </p14:xfrm>
           </p:contentPart>
         </mc:Choice>
-        <mc:Fallback>
+        <mc:Fallback xmlns="">
           <p:pic>
             <p:nvPicPr>
               <p:cNvPr id="5" name="Entrada de lápiz 4">
@@ -6352,8 +6596,8 @@
           </p:pic>
         </mc:Fallback>
       </mc:AlternateContent>
-      <mc:AlternateContent xmlns:mc="http://schemas.openxmlformats.org/markup-compatibility/2006">
-        <mc:Choice xmlns:p14="http://schemas.microsoft.com/office/powerpoint/2010/main" Requires="p14">
+      <mc:AlternateContent xmlns:mc="http://schemas.openxmlformats.org/markup-compatibility/2006" xmlns:p14="http://schemas.microsoft.com/office/powerpoint/2010/main">
+        <mc:Choice Requires="p14">
           <p:contentPart p14:bwMode="auto" r:id="rId7">
             <p14:nvContentPartPr>
               <p14:cNvPr id="6" name="Entrada de lápiz 5">
@@ -6372,7 +6616,7 @@
             </p14:xfrm>
           </p:contentPart>
         </mc:Choice>
-        <mc:Fallback>
+        <mc:Fallback xmlns="">
           <p:pic>
             <p:nvPicPr>
               <p:cNvPr id="6" name="Entrada de lápiz 5">
@@ -6696,8 +6940,8 @@
           </a:prstGeom>
         </p:spPr>
       </p:pic>
-      <mc:AlternateContent xmlns:mc="http://schemas.openxmlformats.org/markup-compatibility/2006">
-        <mc:Choice xmlns:p14="http://schemas.microsoft.com/office/powerpoint/2010/main" Requires="p14">
+      <mc:AlternateContent xmlns:mc="http://schemas.openxmlformats.org/markup-compatibility/2006" xmlns:p14="http://schemas.microsoft.com/office/powerpoint/2010/main">
+        <mc:Choice Requires="p14">
           <p:contentPart p14:bwMode="auto" r:id="rId4">
             <p14:nvContentPartPr>
               <p14:cNvPr id="6" name="Entrada de lápiz 5">
@@ -6716,7 +6960,7 @@
             </p14:xfrm>
           </p:contentPart>
         </mc:Choice>
-        <mc:Fallback>
+        <mc:Fallback xmlns="">
           <p:pic>
             <p:nvPicPr>
               <p:cNvPr id="6" name="Entrada de lápiz 5">
@@ -6747,8 +6991,8 @@
           </p:pic>
         </mc:Fallback>
       </mc:AlternateContent>
-      <mc:AlternateContent xmlns:mc="http://schemas.openxmlformats.org/markup-compatibility/2006">
-        <mc:Choice xmlns:p14="http://schemas.microsoft.com/office/powerpoint/2010/main" Requires="p14">
+      <mc:AlternateContent xmlns:mc="http://schemas.openxmlformats.org/markup-compatibility/2006" xmlns:p14="http://schemas.microsoft.com/office/powerpoint/2010/main">
+        <mc:Choice Requires="p14">
           <p:contentPart p14:bwMode="auto" r:id="rId6">
             <p14:nvContentPartPr>
               <p14:cNvPr id="7" name="Entrada de lápiz 6">
@@ -6767,7 +7011,7 @@
             </p14:xfrm>
           </p:contentPart>
         </mc:Choice>
-        <mc:Fallback>
+        <mc:Fallback xmlns="">
           <p:pic>
             <p:nvPicPr>
               <p:cNvPr id="7" name="Entrada de lápiz 6">
@@ -6798,8 +7042,8 @@
           </p:pic>
         </mc:Fallback>
       </mc:AlternateContent>
-      <mc:AlternateContent xmlns:mc="http://schemas.openxmlformats.org/markup-compatibility/2006">
-        <mc:Choice xmlns:p14="http://schemas.microsoft.com/office/powerpoint/2010/main" Requires="p14">
+      <mc:AlternateContent xmlns:mc="http://schemas.openxmlformats.org/markup-compatibility/2006" xmlns:p14="http://schemas.microsoft.com/office/powerpoint/2010/main">
+        <mc:Choice Requires="p14">
           <p:contentPart p14:bwMode="auto" r:id="rId8">
             <p14:nvContentPartPr>
               <p14:cNvPr id="8" name="Entrada de lápiz 7">
@@ -6818,7 +7062,7 @@
             </p14:xfrm>
           </p:contentPart>
         </mc:Choice>
-        <mc:Fallback>
+        <mc:Fallback xmlns="">
           <p:pic>
             <p:nvPicPr>
               <p:cNvPr id="8" name="Entrada de lápiz 7">
@@ -6939,8 +7183,8 @@
           </a:prstGeom>
         </p:spPr>
       </p:pic>
-      <mc:AlternateContent xmlns:mc="http://schemas.openxmlformats.org/markup-compatibility/2006">
-        <mc:Choice xmlns:p14="http://schemas.microsoft.com/office/powerpoint/2010/main" Requires="p14">
+      <mc:AlternateContent xmlns:mc="http://schemas.openxmlformats.org/markup-compatibility/2006" xmlns:p14="http://schemas.microsoft.com/office/powerpoint/2010/main">
+        <mc:Choice Requires="p14">
           <p:contentPart p14:bwMode="auto" r:id="rId4">
             <p14:nvContentPartPr>
               <p14:cNvPr id="6" name="Entrada de lápiz 5">
@@ -6959,7 +7203,7 @@
             </p14:xfrm>
           </p:contentPart>
         </mc:Choice>
-        <mc:Fallback>
+        <mc:Fallback xmlns="">
           <p:pic>
             <p:nvPicPr>
               <p:cNvPr id="6" name="Entrada de lápiz 5">
@@ -6990,8 +7234,8 @@
           </p:pic>
         </mc:Fallback>
       </mc:AlternateContent>
-      <mc:AlternateContent xmlns:mc="http://schemas.openxmlformats.org/markup-compatibility/2006">
-        <mc:Choice xmlns:p14="http://schemas.microsoft.com/office/powerpoint/2010/main" Requires="p14">
+      <mc:AlternateContent xmlns:mc="http://schemas.openxmlformats.org/markup-compatibility/2006" xmlns:p14="http://schemas.microsoft.com/office/powerpoint/2010/main">
+        <mc:Choice Requires="p14">
           <p:contentPart p14:bwMode="auto" r:id="rId6">
             <p14:nvContentPartPr>
               <p14:cNvPr id="7" name="Entrada de lápiz 6">
@@ -7010,7 +7254,7 @@
             </p14:xfrm>
           </p:contentPart>
         </mc:Choice>
-        <mc:Fallback>
+        <mc:Fallback xmlns="">
           <p:pic>
             <p:nvPicPr>
               <p:cNvPr id="7" name="Entrada de lápiz 6">
@@ -7041,8 +7285,8 @@
           </p:pic>
         </mc:Fallback>
       </mc:AlternateContent>
-      <mc:AlternateContent xmlns:mc="http://schemas.openxmlformats.org/markup-compatibility/2006">
-        <mc:Choice xmlns:p14="http://schemas.microsoft.com/office/powerpoint/2010/main" Requires="p14">
+      <mc:AlternateContent xmlns:mc="http://schemas.openxmlformats.org/markup-compatibility/2006" xmlns:p14="http://schemas.microsoft.com/office/powerpoint/2010/main">
+        <mc:Choice Requires="p14">
           <p:contentPart p14:bwMode="auto" r:id="rId8">
             <p14:nvContentPartPr>
               <p14:cNvPr id="8" name="Entrada de lápiz 7">
@@ -7061,7 +7305,7 @@
             </p14:xfrm>
           </p:contentPart>
         </mc:Choice>
-        <mc:Fallback>
+        <mc:Fallback xmlns="">
           <p:pic>
             <p:nvPicPr>
               <p:cNvPr id="8" name="Entrada de lápiz 7">
@@ -7218,8 +7462,8 @@
           </a:prstGeom>
         </p:spPr>
       </p:pic>
-      <mc:AlternateContent xmlns:mc="http://schemas.openxmlformats.org/markup-compatibility/2006">
-        <mc:Choice xmlns:p14="http://schemas.microsoft.com/office/powerpoint/2010/main" Requires="p14">
+      <mc:AlternateContent xmlns:mc="http://schemas.openxmlformats.org/markup-compatibility/2006" xmlns:p14="http://schemas.microsoft.com/office/powerpoint/2010/main">
+        <mc:Choice Requires="p14">
           <p:contentPart p14:bwMode="auto" r:id="rId4">
             <p14:nvContentPartPr>
               <p14:cNvPr id="6" name="Entrada de lápiz 5">
@@ -7238,7 +7482,7 @@
             </p14:xfrm>
           </p:contentPart>
         </mc:Choice>
-        <mc:Fallback>
+        <mc:Fallback xmlns="">
           <p:pic>
             <p:nvPicPr>
               <p:cNvPr id="6" name="Entrada de lápiz 5">
@@ -7269,8 +7513,8 @@
           </p:pic>
         </mc:Fallback>
       </mc:AlternateContent>
-      <mc:AlternateContent xmlns:mc="http://schemas.openxmlformats.org/markup-compatibility/2006">
-        <mc:Choice xmlns:p14="http://schemas.microsoft.com/office/powerpoint/2010/main" Requires="p14">
+      <mc:AlternateContent xmlns:mc="http://schemas.openxmlformats.org/markup-compatibility/2006" xmlns:p14="http://schemas.microsoft.com/office/powerpoint/2010/main">
+        <mc:Choice Requires="p14">
           <p:contentPart p14:bwMode="auto" r:id="rId6">
             <p14:nvContentPartPr>
               <p14:cNvPr id="7" name="Entrada de lápiz 6">
@@ -7289,7 +7533,7 @@
             </p14:xfrm>
           </p:contentPart>
         </mc:Choice>
-        <mc:Fallback>
+        <mc:Fallback xmlns="">
           <p:pic>
             <p:nvPicPr>
               <p:cNvPr id="7" name="Entrada de lápiz 6">
@@ -7320,8 +7564,8 @@
           </p:pic>
         </mc:Fallback>
       </mc:AlternateContent>
-      <mc:AlternateContent xmlns:mc="http://schemas.openxmlformats.org/markup-compatibility/2006">
-        <mc:Choice xmlns:p14="http://schemas.microsoft.com/office/powerpoint/2010/main" Requires="p14">
+      <mc:AlternateContent xmlns:mc="http://schemas.openxmlformats.org/markup-compatibility/2006" xmlns:p14="http://schemas.microsoft.com/office/powerpoint/2010/main">
+        <mc:Choice Requires="p14">
           <p:contentPart p14:bwMode="auto" r:id="rId8">
             <p14:nvContentPartPr>
               <p14:cNvPr id="8" name="Entrada de lápiz 7">
@@ -7340,7 +7584,7 @@
             </p14:xfrm>
           </p:contentPart>
         </mc:Choice>
-        <mc:Fallback>
+        <mc:Fallback xmlns="">
           <p:pic>
             <p:nvPicPr>
               <p:cNvPr id="8" name="Entrada de lápiz 7">
@@ -7371,8 +7615,8 @@
           </p:pic>
         </mc:Fallback>
       </mc:AlternateContent>
-      <mc:AlternateContent xmlns:mc="http://schemas.openxmlformats.org/markup-compatibility/2006">
-        <mc:Choice xmlns:p14="http://schemas.microsoft.com/office/powerpoint/2010/main" Requires="p14">
+      <mc:AlternateContent xmlns:mc="http://schemas.openxmlformats.org/markup-compatibility/2006" xmlns:p14="http://schemas.microsoft.com/office/powerpoint/2010/main">
+        <mc:Choice Requires="p14">
           <p:contentPart p14:bwMode="auto" r:id="rId10">
             <p14:nvContentPartPr>
               <p14:cNvPr id="9" name="Entrada de lápiz 8">
@@ -7391,7 +7635,7 @@
             </p14:xfrm>
           </p:contentPart>
         </mc:Choice>
-        <mc:Fallback>
+        <mc:Fallback xmlns="">
           <p:pic>
             <p:nvPicPr>
               <p:cNvPr id="9" name="Entrada de lápiz 8">
@@ -7482,8 +7726,8 @@
           </a:prstGeom>
         </p:spPr>
       </p:pic>
-      <mc:AlternateContent xmlns:mc="http://schemas.openxmlformats.org/markup-compatibility/2006">
-        <mc:Choice xmlns:p14="http://schemas.microsoft.com/office/powerpoint/2010/main" Requires="p14">
+      <mc:AlternateContent xmlns:mc="http://schemas.openxmlformats.org/markup-compatibility/2006" xmlns:p14="http://schemas.microsoft.com/office/powerpoint/2010/main">
+        <mc:Choice Requires="p14">
           <p:contentPart p14:bwMode="auto" r:id="rId3">
             <p14:nvContentPartPr>
               <p14:cNvPr id="4" name="Entrada de lápiz 3">
@@ -7502,7 +7746,7 @@
             </p14:xfrm>
           </p:contentPart>
         </mc:Choice>
-        <mc:Fallback>
+        <mc:Fallback xmlns="">
           <p:pic>
             <p:nvPicPr>
               <p:cNvPr id="4" name="Entrada de lápiz 3">
@@ -7533,8 +7777,8 @@
           </p:pic>
         </mc:Fallback>
       </mc:AlternateContent>
-      <mc:AlternateContent xmlns:mc="http://schemas.openxmlformats.org/markup-compatibility/2006">
-        <mc:Choice xmlns:p14="http://schemas.microsoft.com/office/powerpoint/2010/main" Requires="p14">
+      <mc:AlternateContent xmlns:mc="http://schemas.openxmlformats.org/markup-compatibility/2006" xmlns:p14="http://schemas.microsoft.com/office/powerpoint/2010/main">
+        <mc:Choice Requires="p14">
           <p:contentPart p14:bwMode="auto" r:id="rId5">
             <p14:nvContentPartPr>
               <p14:cNvPr id="5" name="Entrada de lápiz 4">
@@ -7553,7 +7797,7 @@
             </p14:xfrm>
           </p:contentPart>
         </mc:Choice>
-        <mc:Fallback>
+        <mc:Fallback xmlns="">
           <p:pic>
             <p:nvPicPr>
               <p:cNvPr id="5" name="Entrada de lápiz 4">
@@ -7584,8 +7828,8 @@
           </p:pic>
         </mc:Fallback>
       </mc:AlternateContent>
-      <mc:AlternateContent xmlns:mc="http://schemas.openxmlformats.org/markup-compatibility/2006">
-        <mc:Choice xmlns:p14="http://schemas.microsoft.com/office/powerpoint/2010/main" Requires="p14">
+      <mc:AlternateContent xmlns:mc="http://schemas.openxmlformats.org/markup-compatibility/2006" xmlns:p14="http://schemas.microsoft.com/office/powerpoint/2010/main">
+        <mc:Choice Requires="p14">
           <p:contentPart p14:bwMode="auto" r:id="rId7">
             <p14:nvContentPartPr>
               <p14:cNvPr id="6" name="Entrada de lápiz 5">
@@ -7604,7 +7848,7 @@
             </p14:xfrm>
           </p:contentPart>
         </mc:Choice>
-        <mc:Fallback>
+        <mc:Fallback xmlns="">
           <p:pic>
             <p:nvPicPr>
               <p:cNvPr id="6" name="Entrada de lápiz 5">
@@ -7731,8 +7975,8 @@
           </a:p>
         </p:txBody>
       </p:sp>
-      <mc:AlternateContent xmlns:mc="http://schemas.openxmlformats.org/markup-compatibility/2006">
-        <mc:Choice xmlns:p14="http://schemas.microsoft.com/office/powerpoint/2010/main" Requires="p14">
+      <mc:AlternateContent xmlns:mc="http://schemas.openxmlformats.org/markup-compatibility/2006" xmlns:p14="http://schemas.microsoft.com/office/powerpoint/2010/main">
+        <mc:Choice Requires="p14">
           <p:contentPart p14:bwMode="auto" r:id="rId3">
             <p14:nvContentPartPr>
               <p14:cNvPr id="5" name="Entrada de lápiz 4">
@@ -7751,7 +7995,7 @@
             </p14:xfrm>
           </p:contentPart>
         </mc:Choice>
-        <mc:Fallback>
+        <mc:Fallback xmlns="">
           <p:pic>
             <p:nvPicPr>
               <p:cNvPr id="5" name="Entrada de lápiz 4">
@@ -7782,8 +8026,8 @@
           </p:pic>
         </mc:Fallback>
       </mc:AlternateContent>
-      <mc:AlternateContent xmlns:mc="http://schemas.openxmlformats.org/markup-compatibility/2006">
-        <mc:Choice xmlns:p14="http://schemas.microsoft.com/office/powerpoint/2010/main" Requires="p14">
+      <mc:AlternateContent xmlns:mc="http://schemas.openxmlformats.org/markup-compatibility/2006" xmlns:p14="http://schemas.microsoft.com/office/powerpoint/2010/main">
+        <mc:Choice Requires="p14">
           <p:contentPart p14:bwMode="auto" r:id="rId5">
             <p14:nvContentPartPr>
               <p14:cNvPr id="6" name="Entrada de lápiz 5">
@@ -7802,7 +8046,7 @@
             </p14:xfrm>
           </p:contentPart>
         </mc:Choice>
-        <mc:Fallback>
+        <mc:Fallback xmlns="">
           <p:pic>
             <p:nvPicPr>
               <p:cNvPr id="6" name="Entrada de lápiz 5">
@@ -7833,8 +8077,8 @@
           </p:pic>
         </mc:Fallback>
       </mc:AlternateContent>
-      <mc:AlternateContent xmlns:mc="http://schemas.openxmlformats.org/markup-compatibility/2006">
-        <mc:Choice xmlns:p14="http://schemas.microsoft.com/office/powerpoint/2010/main" Requires="p14">
+      <mc:AlternateContent xmlns:mc="http://schemas.openxmlformats.org/markup-compatibility/2006" xmlns:p14="http://schemas.microsoft.com/office/powerpoint/2010/main">
+        <mc:Choice Requires="p14">
           <p:contentPart p14:bwMode="auto" r:id="rId7">
             <p14:nvContentPartPr>
               <p14:cNvPr id="7" name="Entrada de lápiz 6">
@@ -7853,7 +8097,7 @@
             </p14:xfrm>
           </p:contentPart>
         </mc:Choice>
-        <mc:Fallback>
+        <mc:Fallback xmlns="">
           <p:pic>
             <p:nvPicPr>
               <p:cNvPr id="7" name="Entrada de lápiz 6">
@@ -8128,8 +8372,8 @@
           </a:p>
         </p:txBody>
       </p:sp>
-      <mc:AlternateContent xmlns:mc="http://schemas.openxmlformats.org/markup-compatibility/2006">
-        <mc:Choice xmlns:p14="http://schemas.microsoft.com/office/powerpoint/2010/main" Requires="p14">
+      <mc:AlternateContent xmlns:mc="http://schemas.openxmlformats.org/markup-compatibility/2006" xmlns:p14="http://schemas.microsoft.com/office/powerpoint/2010/main">
+        <mc:Choice Requires="p14">
           <p:contentPart p14:bwMode="auto" r:id="rId3">
             <p14:nvContentPartPr>
               <p14:cNvPr id="5" name="Entrada de lápiz 4">
@@ -8148,7 +8392,7 @@
             </p14:xfrm>
           </p:contentPart>
         </mc:Choice>
-        <mc:Fallback>
+        <mc:Fallback xmlns="">
           <p:pic>
             <p:nvPicPr>
               <p:cNvPr id="5" name="Entrada de lápiz 4">
@@ -8209,8 +8453,8 @@
           </a:prstGeom>
         </p:spPr>
       </p:pic>
-      <mc:AlternateContent xmlns:mc="http://schemas.openxmlformats.org/markup-compatibility/2006">
-        <mc:Choice xmlns:p14="http://schemas.microsoft.com/office/powerpoint/2010/main" Requires="p14">
+      <mc:AlternateContent xmlns:mc="http://schemas.openxmlformats.org/markup-compatibility/2006" xmlns:p14="http://schemas.microsoft.com/office/powerpoint/2010/main">
+        <mc:Choice Requires="p14">
           <p:contentPart p14:bwMode="auto" r:id="rId6">
             <p14:nvContentPartPr>
               <p14:cNvPr id="8" name="Entrada de lápiz 7">
@@ -8229,7 +8473,7 @@
             </p14:xfrm>
           </p:contentPart>
         </mc:Choice>
-        <mc:Fallback>
+        <mc:Fallback xmlns="">
           <p:pic>
             <p:nvPicPr>
               <p:cNvPr id="8" name="Entrada de lápiz 7">
@@ -8260,8 +8504,8 @@
           </p:pic>
         </mc:Fallback>
       </mc:AlternateContent>
-      <mc:AlternateContent xmlns:mc="http://schemas.openxmlformats.org/markup-compatibility/2006">
-        <mc:Choice xmlns:p14="http://schemas.microsoft.com/office/powerpoint/2010/main" Requires="p14">
+      <mc:AlternateContent xmlns:mc="http://schemas.openxmlformats.org/markup-compatibility/2006" xmlns:p14="http://schemas.microsoft.com/office/powerpoint/2010/main">
+        <mc:Choice Requires="p14">
           <p:contentPart p14:bwMode="auto" r:id="rId8">
             <p14:nvContentPartPr>
               <p14:cNvPr id="9" name="Entrada de lápiz 8">
@@ -8280,7 +8524,7 @@
             </p14:xfrm>
           </p:contentPart>
         </mc:Choice>
-        <mc:Fallback>
+        <mc:Fallback xmlns="">
           <p:pic>
             <p:nvPicPr>
               <p:cNvPr id="9" name="Entrada de lápiz 8">
@@ -8311,8 +8555,8 @@
           </p:pic>
         </mc:Fallback>
       </mc:AlternateContent>
-      <mc:AlternateContent xmlns:mc="http://schemas.openxmlformats.org/markup-compatibility/2006">
-        <mc:Choice xmlns:p14="http://schemas.microsoft.com/office/powerpoint/2010/main" Requires="p14">
+      <mc:AlternateContent xmlns:mc="http://schemas.openxmlformats.org/markup-compatibility/2006" xmlns:p14="http://schemas.microsoft.com/office/powerpoint/2010/main">
+        <mc:Choice Requires="p14">
           <p:contentPart p14:bwMode="auto" r:id="rId10">
             <p14:nvContentPartPr>
               <p14:cNvPr id="10" name="Entrada de lápiz 9">
@@ -8331,7 +8575,7 @@
             </p14:xfrm>
           </p:contentPart>
         </mc:Choice>
-        <mc:Fallback>
+        <mc:Fallback xmlns="">
           <p:pic>
             <p:nvPicPr>
               <p:cNvPr id="10" name="Entrada de lápiz 9">
@@ -8362,8 +8606,8 @@
           </p:pic>
         </mc:Fallback>
       </mc:AlternateContent>
-      <mc:AlternateContent xmlns:mc="http://schemas.openxmlformats.org/markup-compatibility/2006">
-        <mc:Choice xmlns:p14="http://schemas.microsoft.com/office/powerpoint/2010/main" Requires="p14">
+      <mc:AlternateContent xmlns:mc="http://schemas.openxmlformats.org/markup-compatibility/2006" xmlns:p14="http://schemas.microsoft.com/office/powerpoint/2010/main">
+        <mc:Choice Requires="p14">
           <p:contentPart p14:bwMode="auto" r:id="rId12">
             <p14:nvContentPartPr>
               <p14:cNvPr id="11" name="Entrada de lápiz 10">
@@ -8382,7 +8626,7 @@
             </p14:xfrm>
           </p:contentPart>
         </mc:Choice>
-        <mc:Fallback>
+        <mc:Fallback xmlns="">
           <p:pic>
             <p:nvPicPr>
               <p:cNvPr id="11" name="Entrada de lápiz 10">
@@ -8671,8 +8915,8 @@
           </a:prstGeom>
         </p:spPr>
       </p:pic>
-      <mc:AlternateContent xmlns:mc="http://schemas.openxmlformats.org/markup-compatibility/2006">
-        <mc:Choice xmlns:p14="http://schemas.microsoft.com/office/powerpoint/2010/main" Requires="p14">
+      <mc:AlternateContent xmlns:mc="http://schemas.openxmlformats.org/markup-compatibility/2006" xmlns:p14="http://schemas.microsoft.com/office/powerpoint/2010/main">
+        <mc:Choice Requires="p14">
           <p:contentPart p14:bwMode="auto" r:id="rId4">
             <p14:nvContentPartPr>
               <p14:cNvPr id="7" name="Entrada de lápiz 6">
@@ -8691,7 +8935,7 @@
             </p14:xfrm>
           </p:contentPart>
         </mc:Choice>
-        <mc:Fallback>
+        <mc:Fallback xmlns="">
           <p:pic>
             <p:nvPicPr>
               <p:cNvPr id="7" name="Entrada de lápiz 6">
@@ -8722,8 +8966,8 @@
           </p:pic>
         </mc:Fallback>
       </mc:AlternateContent>
-      <mc:AlternateContent xmlns:mc="http://schemas.openxmlformats.org/markup-compatibility/2006">
-        <mc:Choice xmlns:p14="http://schemas.microsoft.com/office/powerpoint/2010/main" Requires="p14">
+      <mc:AlternateContent xmlns:mc="http://schemas.openxmlformats.org/markup-compatibility/2006" xmlns:p14="http://schemas.microsoft.com/office/powerpoint/2010/main">
+        <mc:Choice Requires="p14">
           <p:contentPart p14:bwMode="auto" r:id="rId6">
             <p14:nvContentPartPr>
               <p14:cNvPr id="8" name="Entrada de lápiz 7">
@@ -8742,7 +8986,7 @@
             </p14:xfrm>
           </p:contentPart>
         </mc:Choice>
-        <mc:Fallback>
+        <mc:Fallback xmlns="">
           <p:pic>
             <p:nvPicPr>
               <p:cNvPr id="8" name="Entrada de lápiz 7">
@@ -8773,8 +9017,8 @@
           </p:pic>
         </mc:Fallback>
       </mc:AlternateContent>
-      <mc:AlternateContent xmlns:mc="http://schemas.openxmlformats.org/markup-compatibility/2006">
-        <mc:Choice xmlns:p14="http://schemas.microsoft.com/office/powerpoint/2010/main" Requires="p14">
+      <mc:AlternateContent xmlns:mc="http://schemas.openxmlformats.org/markup-compatibility/2006" xmlns:p14="http://schemas.microsoft.com/office/powerpoint/2010/main">
+        <mc:Choice Requires="p14">
           <p:contentPart p14:bwMode="auto" r:id="rId8">
             <p14:nvContentPartPr>
               <p14:cNvPr id="9" name="Entrada de lápiz 8">
@@ -8793,7 +9037,7 @@
             </p14:xfrm>
           </p:contentPart>
         </mc:Choice>
-        <mc:Fallback>
+        <mc:Fallback xmlns="">
           <p:pic>
             <p:nvPicPr>
               <p:cNvPr id="9" name="Entrada de lápiz 8">
@@ -8824,8 +9068,8 @@
           </p:pic>
         </mc:Fallback>
       </mc:AlternateContent>
-      <mc:AlternateContent xmlns:mc="http://schemas.openxmlformats.org/markup-compatibility/2006">
-        <mc:Choice xmlns:p14="http://schemas.microsoft.com/office/powerpoint/2010/main" Requires="p14">
+      <mc:AlternateContent xmlns:mc="http://schemas.openxmlformats.org/markup-compatibility/2006" xmlns:p14="http://schemas.microsoft.com/office/powerpoint/2010/main">
+        <mc:Choice Requires="p14">
           <p:contentPart p14:bwMode="auto" r:id="rId10">
             <p14:nvContentPartPr>
               <p14:cNvPr id="10" name="Entrada de lápiz 9">
@@ -8844,7 +9088,7 @@
             </p14:xfrm>
           </p:contentPart>
         </mc:Choice>
-        <mc:Fallback>
+        <mc:Fallback xmlns="">
           <p:pic>
             <p:nvPicPr>
               <p:cNvPr id="10" name="Entrada de lápiz 9">
@@ -8905,8 +9149,8 @@
           <a:chExt cx="0" cy="0"/>
         </a:xfrm>
       </p:grpSpPr>
-      <mc:AlternateContent xmlns:mc="http://schemas.openxmlformats.org/markup-compatibility/2006">
-        <mc:Choice xmlns:p14="http://schemas.microsoft.com/office/powerpoint/2010/main" Requires="p14">
+      <mc:AlternateContent xmlns:mc="http://schemas.openxmlformats.org/markup-compatibility/2006" xmlns:p14="http://schemas.microsoft.com/office/powerpoint/2010/main">
+        <mc:Choice Requires="p14">
           <p:contentPart p14:bwMode="auto" r:id="rId2">
             <p14:nvContentPartPr>
               <p14:cNvPr id="2" name="Entrada de lápiz 1">
@@ -8925,7 +9169,7 @@
             </p14:xfrm>
           </p:contentPart>
         </mc:Choice>
-        <mc:Fallback>
+        <mc:Fallback xmlns="">
           <p:pic>
             <p:nvPicPr>
               <p:cNvPr id="2" name="Entrada de lápiz 1">
@@ -9022,8 +9266,8 @@
           </a:prstGeom>
         </p:spPr>
       </p:pic>
-      <mc:AlternateContent xmlns:mc="http://schemas.openxmlformats.org/markup-compatibility/2006">
-        <mc:Choice xmlns:p14="http://schemas.microsoft.com/office/powerpoint/2010/main" Requires="p14">
+      <mc:AlternateContent xmlns:mc="http://schemas.openxmlformats.org/markup-compatibility/2006" xmlns:p14="http://schemas.microsoft.com/office/powerpoint/2010/main">
+        <mc:Choice Requires="p14">
           <p:contentPart p14:bwMode="auto" r:id="rId5">
             <p14:nvContentPartPr>
               <p14:cNvPr id="8" name="Entrada de lápiz 7">
@@ -9042,7 +9286,7 @@
             </p14:xfrm>
           </p:contentPart>
         </mc:Choice>
-        <mc:Fallback>
+        <mc:Fallback xmlns="">
           <p:pic>
             <p:nvPicPr>
               <p:cNvPr id="8" name="Entrada de lápiz 7">
@@ -9073,8 +9317,8 @@
           </p:pic>
         </mc:Fallback>
       </mc:AlternateContent>
-      <mc:AlternateContent xmlns:mc="http://schemas.openxmlformats.org/markup-compatibility/2006">
-        <mc:Choice xmlns:p14="http://schemas.microsoft.com/office/powerpoint/2010/main" Requires="p14">
+      <mc:AlternateContent xmlns:mc="http://schemas.openxmlformats.org/markup-compatibility/2006" xmlns:p14="http://schemas.microsoft.com/office/powerpoint/2010/main">
+        <mc:Choice Requires="p14">
           <p:contentPart p14:bwMode="auto" r:id="rId7">
             <p14:nvContentPartPr>
               <p14:cNvPr id="9" name="Entrada de lápiz 8">
@@ -9093,7 +9337,7 @@
             </p14:xfrm>
           </p:contentPart>
         </mc:Choice>
-        <mc:Fallback>
+        <mc:Fallback xmlns="">
           <p:pic>
             <p:nvPicPr>
               <p:cNvPr id="9" name="Entrada de lápiz 8">
@@ -9124,8 +9368,8 @@
           </p:pic>
         </mc:Fallback>
       </mc:AlternateContent>
-      <mc:AlternateContent xmlns:mc="http://schemas.openxmlformats.org/markup-compatibility/2006">
-        <mc:Choice xmlns:p14="http://schemas.microsoft.com/office/powerpoint/2010/main" Requires="p14">
+      <mc:AlternateContent xmlns:mc="http://schemas.openxmlformats.org/markup-compatibility/2006" xmlns:p14="http://schemas.microsoft.com/office/powerpoint/2010/main">
+        <mc:Choice Requires="p14">
           <p:contentPart p14:bwMode="auto" r:id="rId9">
             <p14:nvContentPartPr>
               <p14:cNvPr id="10" name="Entrada de lápiz 9">
@@ -9144,7 +9388,7 @@
             </p14:xfrm>
           </p:contentPart>
         </mc:Choice>
-        <mc:Fallback>
+        <mc:Fallback xmlns="">
           <p:pic>
             <p:nvPicPr>
               <p:cNvPr id="10" name="Entrada de lápiz 9">
@@ -9175,8 +9419,8 @@
           </p:pic>
         </mc:Fallback>
       </mc:AlternateContent>
-      <mc:AlternateContent xmlns:mc="http://schemas.openxmlformats.org/markup-compatibility/2006">
-        <mc:Choice xmlns:p14="http://schemas.microsoft.com/office/powerpoint/2010/main" Requires="p14">
+      <mc:AlternateContent xmlns:mc="http://schemas.openxmlformats.org/markup-compatibility/2006" xmlns:p14="http://schemas.microsoft.com/office/powerpoint/2010/main">
+        <mc:Choice Requires="p14">
           <p:contentPart p14:bwMode="auto" r:id="rId11">
             <p14:nvContentPartPr>
               <p14:cNvPr id="13" name="Entrada de lápiz 12">
@@ -9195,7 +9439,7 @@
             </p14:xfrm>
           </p:contentPart>
         </mc:Choice>
-        <mc:Fallback>
+        <mc:Fallback xmlns="">
           <p:pic>
             <p:nvPicPr>
               <p:cNvPr id="13" name="Entrada de lápiz 12">
@@ -9292,8 +9536,8 @@
           <a:chExt cx="0" cy="0"/>
         </a:xfrm>
       </p:grpSpPr>
-      <mc:AlternateContent xmlns:mc="http://schemas.openxmlformats.org/markup-compatibility/2006">
-        <mc:Choice xmlns:p14="http://schemas.microsoft.com/office/powerpoint/2010/main" Requires="p14">
+      <mc:AlternateContent xmlns:mc="http://schemas.openxmlformats.org/markup-compatibility/2006" xmlns:p14="http://schemas.microsoft.com/office/powerpoint/2010/main">
+        <mc:Choice Requires="p14">
           <p:contentPart p14:bwMode="auto" r:id="rId2">
             <p14:nvContentPartPr>
               <p14:cNvPr id="2" name="Entrada de lápiz 1">
@@ -9312,7 +9556,7 @@
             </p14:xfrm>
           </p:contentPart>
         </mc:Choice>
-        <mc:Fallback>
+        <mc:Fallback xmlns="">
           <p:pic>
             <p:nvPicPr>
               <p:cNvPr id="2" name="Entrada de lápiz 1">
@@ -9373,8 +9617,8 @@
           </a:prstGeom>
         </p:spPr>
       </p:pic>
-      <mc:AlternateContent xmlns:mc="http://schemas.openxmlformats.org/markup-compatibility/2006">
-        <mc:Choice xmlns:p14="http://schemas.microsoft.com/office/powerpoint/2010/main" Requires="p14">
+      <mc:AlternateContent xmlns:mc="http://schemas.openxmlformats.org/markup-compatibility/2006" xmlns:p14="http://schemas.microsoft.com/office/powerpoint/2010/main">
+        <mc:Choice Requires="p14">
           <p:contentPart p14:bwMode="auto" r:id="rId5">
             <p14:nvContentPartPr>
               <p14:cNvPr id="5" name="Entrada de lápiz 4">
@@ -9393,7 +9637,7 @@
             </p14:xfrm>
           </p:contentPart>
         </mc:Choice>
-        <mc:Fallback>
+        <mc:Fallback xmlns="">
           <p:pic>
             <p:nvPicPr>
               <p:cNvPr id="5" name="Entrada de lápiz 4">
@@ -9424,8 +9668,8 @@
           </p:pic>
         </mc:Fallback>
       </mc:AlternateContent>
-      <mc:AlternateContent xmlns:mc="http://schemas.openxmlformats.org/markup-compatibility/2006">
-        <mc:Choice xmlns:p14="http://schemas.microsoft.com/office/powerpoint/2010/main" Requires="p14">
+      <mc:AlternateContent xmlns:mc="http://schemas.openxmlformats.org/markup-compatibility/2006" xmlns:p14="http://schemas.microsoft.com/office/powerpoint/2010/main">
+        <mc:Choice Requires="p14">
           <p:contentPart p14:bwMode="auto" r:id="rId7">
             <p14:nvContentPartPr>
               <p14:cNvPr id="6" name="Entrada de lápiz 5">
@@ -9444,7 +9688,7 @@
             </p14:xfrm>
           </p:contentPart>
         </mc:Choice>
-        <mc:Fallback>
+        <mc:Fallback xmlns="">
           <p:pic>
             <p:nvPicPr>
               <p:cNvPr id="6" name="Entrada de lápiz 5">
@@ -9475,8 +9719,8 @@
           </p:pic>
         </mc:Fallback>
       </mc:AlternateContent>
-      <mc:AlternateContent xmlns:mc="http://schemas.openxmlformats.org/markup-compatibility/2006">
-        <mc:Choice xmlns:p14="http://schemas.microsoft.com/office/powerpoint/2010/main" Requires="p14">
+      <mc:AlternateContent xmlns:mc="http://schemas.openxmlformats.org/markup-compatibility/2006" xmlns:p14="http://schemas.microsoft.com/office/powerpoint/2010/main">
+        <mc:Choice Requires="p14">
           <p:contentPart p14:bwMode="auto" r:id="rId9">
             <p14:nvContentPartPr>
               <p14:cNvPr id="7" name="Entrada de lápiz 6">
@@ -9495,7 +9739,7 @@
             </p14:xfrm>
           </p:contentPart>
         </mc:Choice>
-        <mc:Fallback>
+        <mc:Fallback xmlns="">
           <p:pic>
             <p:nvPicPr>
               <p:cNvPr id="7" name="Entrada de lápiz 6">
@@ -9622,8 +9866,8 @@
           </a:p>
         </p:txBody>
       </p:sp>
-      <mc:AlternateContent xmlns:mc="http://schemas.openxmlformats.org/markup-compatibility/2006">
-        <mc:Choice xmlns:p14="http://schemas.microsoft.com/office/powerpoint/2010/main" Requires="p14">
+      <mc:AlternateContent xmlns:mc="http://schemas.openxmlformats.org/markup-compatibility/2006" xmlns:p14="http://schemas.microsoft.com/office/powerpoint/2010/main">
+        <mc:Choice Requires="p14">
           <p:contentPart p14:bwMode="auto" r:id="rId3">
             <p14:nvContentPartPr>
               <p14:cNvPr id="5" name="Entrada de lápiz 4">
@@ -9642,7 +9886,7 @@
             </p14:xfrm>
           </p:contentPart>
         </mc:Choice>
-        <mc:Fallback>
+        <mc:Fallback xmlns="">
           <p:pic>
             <p:nvPicPr>
               <p:cNvPr id="5" name="Entrada de lápiz 4">
@@ -9673,8 +9917,8 @@
           </p:pic>
         </mc:Fallback>
       </mc:AlternateContent>
-      <mc:AlternateContent xmlns:mc="http://schemas.openxmlformats.org/markup-compatibility/2006">
-        <mc:Choice xmlns:p14="http://schemas.microsoft.com/office/powerpoint/2010/main" Requires="p14">
+      <mc:AlternateContent xmlns:mc="http://schemas.openxmlformats.org/markup-compatibility/2006" xmlns:p14="http://schemas.microsoft.com/office/powerpoint/2010/main">
+        <mc:Choice Requires="p14">
           <p:contentPart p14:bwMode="auto" r:id="rId5">
             <p14:nvContentPartPr>
               <p14:cNvPr id="6" name="Entrada de lápiz 5">
@@ -9693,7 +9937,7 @@
             </p14:xfrm>
           </p:contentPart>
         </mc:Choice>
-        <mc:Fallback>
+        <mc:Fallback xmlns="">
           <p:pic>
             <p:nvPicPr>
               <p:cNvPr id="6" name="Entrada de lápiz 5">
@@ -9820,8 +10064,8 @@
           </a:p>
         </p:txBody>
       </p:sp>
-      <mc:AlternateContent xmlns:mc="http://schemas.openxmlformats.org/markup-compatibility/2006">
-        <mc:Choice xmlns:p14="http://schemas.microsoft.com/office/powerpoint/2010/main" Requires="p14">
+      <mc:AlternateContent xmlns:mc="http://schemas.openxmlformats.org/markup-compatibility/2006" xmlns:p14="http://schemas.microsoft.com/office/powerpoint/2010/main">
+        <mc:Choice Requires="p14">
           <p:contentPart p14:bwMode="auto" r:id="rId3">
             <p14:nvContentPartPr>
               <p14:cNvPr id="5" name="Entrada de lápiz 4">
@@ -9840,7 +10084,7 @@
             </p14:xfrm>
           </p:contentPart>
         </mc:Choice>
-        <mc:Fallback>
+        <mc:Fallback xmlns="">
           <p:pic>
             <p:nvPicPr>
               <p:cNvPr id="5" name="Entrada de lápiz 4">
@@ -9871,8 +10115,8 @@
           </p:pic>
         </mc:Fallback>
       </mc:AlternateContent>
-      <mc:AlternateContent xmlns:mc="http://schemas.openxmlformats.org/markup-compatibility/2006">
-        <mc:Choice xmlns:p14="http://schemas.microsoft.com/office/powerpoint/2010/main" Requires="p14">
+      <mc:AlternateContent xmlns:mc="http://schemas.openxmlformats.org/markup-compatibility/2006" xmlns:p14="http://schemas.microsoft.com/office/powerpoint/2010/main">
+        <mc:Choice Requires="p14">
           <p:contentPart p14:bwMode="auto" r:id="rId5">
             <p14:nvContentPartPr>
               <p14:cNvPr id="6" name="Entrada de lápiz 5">
@@ -9891,7 +10135,7 @@
             </p14:xfrm>
           </p:contentPart>
         </mc:Choice>
-        <mc:Fallback>
+        <mc:Fallback xmlns="">
           <p:pic>
             <p:nvPicPr>
               <p:cNvPr id="6" name="Entrada de lápiz 5">
@@ -9922,8 +10166,8 @@
           </p:pic>
         </mc:Fallback>
       </mc:AlternateContent>
-      <mc:AlternateContent xmlns:mc="http://schemas.openxmlformats.org/markup-compatibility/2006">
-        <mc:Choice xmlns:p14="http://schemas.microsoft.com/office/powerpoint/2010/main" Requires="p14">
+      <mc:AlternateContent xmlns:mc="http://schemas.openxmlformats.org/markup-compatibility/2006" xmlns:p14="http://schemas.microsoft.com/office/powerpoint/2010/main">
+        <mc:Choice Requires="p14">
           <p:contentPart p14:bwMode="auto" r:id="rId7">
             <p14:nvContentPartPr>
               <p14:cNvPr id="7" name="Entrada de lápiz 6">
@@ -9942,7 +10186,7 @@
             </p14:xfrm>
           </p:contentPart>
         </mc:Choice>
-        <mc:Fallback>
+        <mc:Fallback xmlns="">
           <p:pic>
             <p:nvPicPr>
               <p:cNvPr id="7" name="Entrada de lápiz 6">
@@ -9973,8 +10217,8 @@
           </p:pic>
         </mc:Fallback>
       </mc:AlternateContent>
-      <mc:AlternateContent xmlns:mc="http://schemas.openxmlformats.org/markup-compatibility/2006">
-        <mc:Choice xmlns:p14="http://schemas.microsoft.com/office/powerpoint/2010/main" Requires="p14">
+      <mc:AlternateContent xmlns:mc="http://schemas.openxmlformats.org/markup-compatibility/2006" xmlns:p14="http://schemas.microsoft.com/office/powerpoint/2010/main">
+        <mc:Choice Requires="p14">
           <p:contentPart p14:bwMode="auto" r:id="rId9">
             <p14:nvContentPartPr>
               <p14:cNvPr id="8" name="Entrada de lápiz 7">
@@ -9993,7 +10237,7 @@
             </p14:xfrm>
           </p:contentPart>
         </mc:Choice>
-        <mc:Fallback>
+        <mc:Fallback xmlns="">
           <p:pic>
             <p:nvPicPr>
               <p:cNvPr id="8" name="Entrada de lápiz 7">
@@ -10024,8 +10268,8 @@
           </p:pic>
         </mc:Fallback>
       </mc:AlternateContent>
-      <mc:AlternateContent xmlns:mc="http://schemas.openxmlformats.org/markup-compatibility/2006">
-        <mc:Choice xmlns:p14="http://schemas.microsoft.com/office/powerpoint/2010/main" Requires="p14">
+      <mc:AlternateContent xmlns:mc="http://schemas.openxmlformats.org/markup-compatibility/2006" xmlns:p14="http://schemas.microsoft.com/office/powerpoint/2010/main">
+        <mc:Choice Requires="p14">
           <p:contentPart p14:bwMode="auto" r:id="rId11">
             <p14:nvContentPartPr>
               <p14:cNvPr id="9" name="Entrada de lápiz 8">
@@ -10044,7 +10288,7 @@
             </p14:xfrm>
           </p:contentPart>
         </mc:Choice>
-        <mc:Fallback>
+        <mc:Fallback xmlns="">
           <p:pic>
             <p:nvPicPr>
               <p:cNvPr id="9" name="Entrada de lápiz 8">
@@ -10075,8 +10319,8 @@
           </p:pic>
         </mc:Fallback>
       </mc:AlternateContent>
-      <mc:AlternateContent xmlns:mc="http://schemas.openxmlformats.org/markup-compatibility/2006">
-        <mc:Choice xmlns:p14="http://schemas.microsoft.com/office/powerpoint/2010/main" Requires="p14">
+      <mc:AlternateContent xmlns:mc="http://schemas.openxmlformats.org/markup-compatibility/2006" xmlns:p14="http://schemas.microsoft.com/office/powerpoint/2010/main">
+        <mc:Choice Requires="p14">
           <p:contentPart p14:bwMode="auto" r:id="rId13">
             <p14:nvContentPartPr>
               <p14:cNvPr id="10" name="Entrada de lápiz 9">
@@ -10095,7 +10339,7 @@
             </p14:xfrm>
           </p:contentPart>
         </mc:Choice>
-        <mc:Fallback>
+        <mc:Fallback xmlns="">
           <p:pic>
             <p:nvPicPr>
               <p:cNvPr id="10" name="Entrada de lápiz 9">
@@ -10139,6 +10383,1344 @@
 </p:sld>
 </file>
 
+<file path=ppt/slides/slide32.xml><?xml version="1.0" encoding="utf-8"?>
+<p:sld xmlns:a="http://schemas.openxmlformats.org/drawingml/2006/main" xmlns:r="http://schemas.openxmlformats.org/officeDocument/2006/relationships" xmlns:p="http://schemas.openxmlformats.org/presentationml/2006/main">
+  <p:cSld>
+    <p:spTree>
+      <p:nvGrpSpPr>
+        <p:cNvPr id="1" name=""/>
+        <p:cNvGrpSpPr/>
+        <p:nvPr/>
+      </p:nvGrpSpPr>
+      <p:grpSpPr>
+        <a:xfrm>
+          <a:off x="0" y="0"/>
+          <a:ext cx="0" cy="0"/>
+          <a:chOff x="0" y="0"/>
+          <a:chExt cx="0" cy="0"/>
+        </a:xfrm>
+      </p:grpSpPr>
+      <p:pic>
+        <p:nvPicPr>
+          <p:cNvPr id="5" name="Imagen 4">
+            <a:extLst>
+              <a:ext uri="{FF2B5EF4-FFF2-40B4-BE49-F238E27FC236}">
+                <a16:creationId xmlns:a16="http://schemas.microsoft.com/office/drawing/2014/main" id="{AA3F6A06-580D-F0A8-8218-28A5E3F3A53E}"/>
+              </a:ext>
+            </a:extLst>
+          </p:cNvPr>
+          <p:cNvPicPr>
+            <a:picLocks noChangeAspect="1"/>
+          </p:cNvPicPr>
+          <p:nvPr/>
+        </p:nvPicPr>
+        <p:blipFill>
+          <a:blip r:embed="rId2"/>
+          <a:stretch>
+            <a:fillRect/>
+          </a:stretch>
+        </p:blipFill>
+        <p:spPr>
+          <a:xfrm>
+            <a:off x="1421933" y="961163"/>
+            <a:ext cx="9094100" cy="3385753"/>
+          </a:xfrm>
+          <a:prstGeom prst="rect">
+            <a:avLst/>
+          </a:prstGeom>
+        </p:spPr>
+      </p:pic>
+      <p:cxnSp>
+        <p:nvCxnSpPr>
+          <p:cNvPr id="7" name="Conector recto 6">
+            <a:extLst>
+              <a:ext uri="{FF2B5EF4-FFF2-40B4-BE49-F238E27FC236}">
+                <a16:creationId xmlns:a16="http://schemas.microsoft.com/office/drawing/2014/main" id="{85100BBA-F5B8-9197-9395-87DED67E13FC}"/>
+              </a:ext>
+            </a:extLst>
+          </p:cNvPr>
+          <p:cNvCxnSpPr>
+            <a:cxnSpLocks/>
+          </p:cNvCxnSpPr>
+          <p:nvPr/>
+        </p:nvCxnSpPr>
+        <p:spPr>
+          <a:xfrm>
+            <a:off x="3545059" y="4107766"/>
+            <a:ext cx="2180492" cy="0"/>
+          </a:xfrm>
+          <a:prstGeom prst="line">
+            <a:avLst/>
+          </a:prstGeom>
+          <a:ln w="57150"/>
+        </p:spPr>
+        <p:style>
+          <a:lnRef idx="3">
+            <a:schemeClr val="dk1"/>
+          </a:lnRef>
+          <a:fillRef idx="0">
+            <a:schemeClr val="dk1"/>
+          </a:fillRef>
+          <a:effectRef idx="2">
+            <a:schemeClr val="dk1"/>
+          </a:effectRef>
+          <a:fontRef idx="minor">
+            <a:schemeClr val="tx1"/>
+          </a:fontRef>
+        </p:style>
+      </p:cxnSp>
+      <p:sp>
+        <p:nvSpPr>
+          <p:cNvPr id="10" name="Rectángulo 9">
+            <a:extLst>
+              <a:ext uri="{FF2B5EF4-FFF2-40B4-BE49-F238E27FC236}">
+                <a16:creationId xmlns:a16="http://schemas.microsoft.com/office/drawing/2014/main" id="{65C23943-3B30-4B7D-7DEF-C434CCDE20DD}"/>
+              </a:ext>
+            </a:extLst>
+          </p:cNvPr>
+          <p:cNvSpPr/>
+          <p:nvPr/>
+        </p:nvSpPr>
+        <p:spPr>
+          <a:xfrm>
+            <a:off x="3285141" y="3338325"/>
+            <a:ext cx="519836" cy="769441"/>
+          </a:xfrm>
+          <a:prstGeom prst="rect">
+            <a:avLst/>
+          </a:prstGeom>
+          <a:noFill/>
+        </p:spPr>
+        <p:txBody>
+          <a:bodyPr wrap="square" lIns="91440" tIns="45720" rIns="91440" bIns="45720">
+            <a:spAutoFit/>
+          </a:bodyPr>
+          <a:lstStyle/>
+          <a:p>
+            <a:pPr algn="ctr"/>
+            <a:r>
+              <a:rPr lang="es-ES" sz="4400" dirty="0">
+                <a:ln w="0"/>
+                <a:effectLst>
+                  <a:outerShdw blurRad="38100" dist="19050" dir="2700000" algn="tl" rotWithShape="0">
+                    <a:schemeClr val="dk1">
+                      <a:alpha val="40000"/>
+                    </a:schemeClr>
+                  </a:outerShdw>
+                </a:effectLst>
+              </a:rPr>
+              <a:t>B</a:t>
+            </a:r>
+            <a:endParaRPr lang="es-ES" sz="4400" b="0" cap="none" spc="0" dirty="0">
+              <a:ln w="0"/>
+              <a:solidFill>
+                <a:schemeClr val="tx1"/>
+              </a:solidFill>
+              <a:effectLst>
+                <a:outerShdw blurRad="38100" dist="19050" dir="2700000" algn="tl" rotWithShape="0">
+                  <a:schemeClr val="dk1">
+                    <a:alpha val="40000"/>
+                  </a:schemeClr>
+                </a:outerShdw>
+              </a:effectLst>
+            </a:endParaRPr>
+          </a:p>
+        </p:txBody>
+      </p:sp>
+      <p:sp>
+        <p:nvSpPr>
+          <p:cNvPr id="11" name="Rectángulo 10">
+            <a:extLst>
+              <a:ext uri="{FF2B5EF4-FFF2-40B4-BE49-F238E27FC236}">
+                <a16:creationId xmlns:a16="http://schemas.microsoft.com/office/drawing/2014/main" id="{9B050D4A-1DB3-4C1D-7F05-6ECD9FEA21DB}"/>
+              </a:ext>
+            </a:extLst>
+          </p:cNvPr>
+          <p:cNvSpPr/>
+          <p:nvPr/>
+        </p:nvSpPr>
+        <p:spPr>
+          <a:xfrm>
+            <a:off x="5465633" y="3338325"/>
+            <a:ext cx="519836" cy="769441"/>
+          </a:xfrm>
+          <a:prstGeom prst="rect">
+            <a:avLst/>
+          </a:prstGeom>
+          <a:noFill/>
+        </p:spPr>
+        <p:txBody>
+          <a:bodyPr wrap="square" lIns="91440" tIns="45720" rIns="91440" bIns="45720">
+            <a:spAutoFit/>
+          </a:bodyPr>
+          <a:lstStyle/>
+          <a:p>
+            <a:pPr algn="ctr"/>
+            <a:r>
+              <a:rPr lang="es-ES" sz="4400" dirty="0">
+                <a:ln w="0"/>
+                <a:effectLst>
+                  <a:outerShdw blurRad="38100" dist="19050" dir="2700000" algn="tl" rotWithShape="0">
+                    <a:schemeClr val="dk1">
+                      <a:alpha val="40000"/>
+                    </a:schemeClr>
+                  </a:outerShdw>
+                </a:effectLst>
+              </a:rPr>
+              <a:t>C</a:t>
+            </a:r>
+            <a:endParaRPr lang="es-ES" sz="4400" b="0" cap="none" spc="0" dirty="0">
+              <a:ln w="0"/>
+              <a:solidFill>
+                <a:schemeClr val="tx1"/>
+              </a:solidFill>
+              <a:effectLst>
+                <a:outerShdw blurRad="38100" dist="19050" dir="2700000" algn="tl" rotWithShape="0">
+                  <a:schemeClr val="dk1">
+                    <a:alpha val="40000"/>
+                  </a:schemeClr>
+                </a:outerShdw>
+              </a:effectLst>
+            </a:endParaRPr>
+          </a:p>
+        </p:txBody>
+      </p:sp>
+      <mc:AlternateContent xmlns:mc="http://schemas.openxmlformats.org/markup-compatibility/2006">
+        <mc:Choice xmlns:p14="http://schemas.microsoft.com/office/powerpoint/2010/main" Requires="p14">
+          <p:contentPart p14:bwMode="auto" r:id="rId3">
+            <p14:nvContentPartPr>
+              <p14:cNvPr id="13" name="Entrada de lápiz 12">
+                <a:extLst>
+                  <a:ext uri="{FF2B5EF4-FFF2-40B4-BE49-F238E27FC236}">
+                    <a16:creationId xmlns:a16="http://schemas.microsoft.com/office/drawing/2014/main" id="{262C978E-2C6C-0CEC-EE38-D7F907290948}"/>
+                  </a:ext>
+                </a:extLst>
+              </p14:cNvPr>
+              <p14:cNvContentPartPr/>
+              <p14:nvPr/>
+            </p14:nvContentPartPr>
+            <p14:xfrm>
+              <a:off x="4248554" y="3444508"/>
+              <a:ext cx="984600" cy="298080"/>
+            </p14:xfrm>
+          </p:contentPart>
+        </mc:Choice>
+        <mc:Fallback>
+          <p:pic>
+            <p:nvPicPr>
+              <p:cNvPr id="13" name="Entrada de lápiz 12">
+                <a:extLst>
+                  <a:ext uri="{FF2B5EF4-FFF2-40B4-BE49-F238E27FC236}">
+                    <a16:creationId xmlns:a16="http://schemas.microsoft.com/office/drawing/2014/main" id="{262C978E-2C6C-0CEC-EE38-D7F907290948}"/>
+                  </a:ext>
+                </a:extLst>
+              </p:cNvPr>
+              <p:cNvPicPr/>
+              <p:nvPr/>
+            </p:nvPicPr>
+            <p:blipFill>
+              <a:blip r:embed="rId4"/>
+              <a:stretch>
+                <a:fillRect/>
+              </a:stretch>
+            </p:blipFill>
+            <p:spPr>
+              <a:xfrm>
+                <a:off x="4194914" y="3336868"/>
+                <a:ext cx="1092240" cy="513720"/>
+              </a:xfrm>
+              <a:prstGeom prst="rect">
+                <a:avLst/>
+              </a:prstGeom>
+            </p:spPr>
+          </p:pic>
+        </mc:Fallback>
+      </mc:AlternateContent>
+    </p:spTree>
+    <p:extLst>
+      <p:ext uri="{BB962C8B-B14F-4D97-AF65-F5344CB8AC3E}">
+        <p14:creationId xmlns:p14="http://schemas.microsoft.com/office/powerpoint/2010/main" val="1729983246"/>
+      </p:ext>
+    </p:extLst>
+  </p:cSld>
+  <p:clrMapOvr>
+    <a:masterClrMapping/>
+  </p:clrMapOvr>
+</p:sld>
+</file>
+
+<file path=ppt/slides/slide33.xml><?xml version="1.0" encoding="utf-8"?>
+<p:sld xmlns:a="http://schemas.openxmlformats.org/drawingml/2006/main" xmlns:r="http://schemas.openxmlformats.org/officeDocument/2006/relationships" xmlns:p="http://schemas.openxmlformats.org/presentationml/2006/main">
+  <p:cSld>
+    <p:spTree>
+      <p:nvGrpSpPr>
+        <p:cNvPr id="1" name=""/>
+        <p:cNvGrpSpPr/>
+        <p:nvPr/>
+      </p:nvGrpSpPr>
+      <p:grpSpPr>
+        <a:xfrm>
+          <a:off x="0" y="0"/>
+          <a:ext cx="0" cy="0"/>
+          <a:chOff x="0" y="0"/>
+          <a:chExt cx="0" cy="0"/>
+        </a:xfrm>
+      </p:grpSpPr>
+      <p:pic>
+        <p:nvPicPr>
+          <p:cNvPr id="3" name="Imagen 2">
+            <a:extLst>
+              <a:ext uri="{FF2B5EF4-FFF2-40B4-BE49-F238E27FC236}">
+                <a16:creationId xmlns:a16="http://schemas.microsoft.com/office/drawing/2014/main" id="{B3480EFE-6B65-1187-8B63-B276C5581620}"/>
+              </a:ext>
+            </a:extLst>
+          </p:cNvPr>
+          <p:cNvPicPr>
+            <a:picLocks noChangeAspect="1"/>
+          </p:cNvPicPr>
+          <p:nvPr/>
+        </p:nvPicPr>
+        <p:blipFill>
+          <a:blip r:embed="rId2"/>
+          <a:stretch>
+            <a:fillRect/>
+          </a:stretch>
+        </p:blipFill>
+        <p:spPr>
+          <a:xfrm>
+            <a:off x="1077993" y="1238411"/>
+            <a:ext cx="9024238" cy="3122574"/>
+          </a:xfrm>
+          <a:prstGeom prst="rect">
+            <a:avLst/>
+          </a:prstGeom>
+        </p:spPr>
+      </p:pic>
+      <p:cxnSp>
+        <p:nvCxnSpPr>
+          <p:cNvPr id="4" name="Conector recto 3">
+            <a:extLst>
+              <a:ext uri="{FF2B5EF4-FFF2-40B4-BE49-F238E27FC236}">
+                <a16:creationId xmlns:a16="http://schemas.microsoft.com/office/drawing/2014/main" id="{BA86994D-8F51-D97C-DBF0-01E7BCB8317D}"/>
+              </a:ext>
+            </a:extLst>
+          </p:cNvPr>
+          <p:cNvCxnSpPr>
+            <a:cxnSpLocks/>
+          </p:cNvCxnSpPr>
+          <p:nvPr/>
+        </p:nvCxnSpPr>
+        <p:spPr>
+          <a:xfrm>
+            <a:off x="7680961" y="4220308"/>
+            <a:ext cx="2067950" cy="0"/>
+          </a:xfrm>
+          <a:prstGeom prst="line">
+            <a:avLst/>
+          </a:prstGeom>
+          <a:ln w="57150"/>
+        </p:spPr>
+        <p:style>
+          <a:lnRef idx="3">
+            <a:schemeClr val="dk1"/>
+          </a:lnRef>
+          <a:fillRef idx="0">
+            <a:schemeClr val="dk1"/>
+          </a:fillRef>
+          <a:effectRef idx="2">
+            <a:schemeClr val="dk1"/>
+          </a:effectRef>
+          <a:fontRef idx="minor">
+            <a:schemeClr val="tx1"/>
+          </a:fontRef>
+        </p:style>
+      </p:cxnSp>
+      <p:sp>
+        <p:nvSpPr>
+          <p:cNvPr id="6" name="Rectángulo 5">
+            <a:extLst>
+              <a:ext uri="{FF2B5EF4-FFF2-40B4-BE49-F238E27FC236}">
+                <a16:creationId xmlns:a16="http://schemas.microsoft.com/office/drawing/2014/main" id="{E7FB2FD8-1BA2-7C83-0E29-1FA19A879843}"/>
+              </a:ext>
+            </a:extLst>
+          </p:cNvPr>
+          <p:cNvSpPr/>
+          <p:nvPr/>
+        </p:nvSpPr>
+        <p:spPr>
+          <a:xfrm>
+            <a:off x="7421043" y="3499339"/>
+            <a:ext cx="519836" cy="769441"/>
+          </a:xfrm>
+          <a:prstGeom prst="rect">
+            <a:avLst/>
+          </a:prstGeom>
+          <a:noFill/>
+        </p:spPr>
+        <p:txBody>
+          <a:bodyPr wrap="square" lIns="91440" tIns="45720" rIns="91440" bIns="45720">
+            <a:spAutoFit/>
+          </a:bodyPr>
+          <a:lstStyle/>
+          <a:p>
+            <a:pPr algn="ctr"/>
+            <a:r>
+              <a:rPr lang="es-ES" sz="4400" b="0" cap="none" spc="0" dirty="0">
+                <a:ln w="0"/>
+                <a:solidFill>
+                  <a:schemeClr val="tx1"/>
+                </a:solidFill>
+                <a:effectLst>
+                  <a:outerShdw blurRad="38100" dist="19050" dir="2700000" algn="tl" rotWithShape="0">
+                    <a:schemeClr val="dk1">
+                      <a:alpha val="40000"/>
+                    </a:schemeClr>
+                  </a:outerShdw>
+                </a:effectLst>
+              </a:rPr>
+              <a:t>D</a:t>
+            </a:r>
+          </a:p>
+        </p:txBody>
+      </p:sp>
+      <p:sp>
+        <p:nvSpPr>
+          <p:cNvPr id="7" name="Rectángulo 6">
+            <a:extLst>
+              <a:ext uri="{FF2B5EF4-FFF2-40B4-BE49-F238E27FC236}">
+                <a16:creationId xmlns:a16="http://schemas.microsoft.com/office/drawing/2014/main" id="{5128D934-C1B6-B5F0-D969-58D9070EE077}"/>
+              </a:ext>
+            </a:extLst>
+          </p:cNvPr>
+          <p:cNvSpPr/>
+          <p:nvPr/>
+        </p:nvSpPr>
+        <p:spPr>
+          <a:xfrm>
+            <a:off x="9488993" y="3499339"/>
+            <a:ext cx="519836" cy="769441"/>
+          </a:xfrm>
+          <a:prstGeom prst="rect">
+            <a:avLst/>
+          </a:prstGeom>
+          <a:noFill/>
+        </p:spPr>
+        <p:txBody>
+          <a:bodyPr wrap="square" lIns="91440" tIns="45720" rIns="91440" bIns="45720">
+            <a:spAutoFit/>
+          </a:bodyPr>
+          <a:lstStyle/>
+          <a:p>
+            <a:pPr algn="ctr"/>
+            <a:r>
+              <a:rPr lang="es-ES" sz="4400" dirty="0">
+                <a:ln w="0"/>
+                <a:effectLst>
+                  <a:outerShdw blurRad="38100" dist="19050" dir="2700000" algn="tl" rotWithShape="0">
+                    <a:schemeClr val="dk1">
+                      <a:alpha val="40000"/>
+                    </a:schemeClr>
+                  </a:outerShdw>
+                </a:effectLst>
+              </a:rPr>
+              <a:t>E</a:t>
+            </a:r>
+            <a:endParaRPr lang="es-ES" sz="4400" b="0" cap="none" spc="0" dirty="0">
+              <a:ln w="0"/>
+              <a:solidFill>
+                <a:schemeClr val="tx1"/>
+              </a:solidFill>
+              <a:effectLst>
+                <a:outerShdw blurRad="38100" dist="19050" dir="2700000" algn="tl" rotWithShape="0">
+                  <a:schemeClr val="dk1">
+                    <a:alpha val="40000"/>
+                  </a:schemeClr>
+                </a:outerShdw>
+              </a:effectLst>
+            </a:endParaRPr>
+          </a:p>
+        </p:txBody>
+      </p:sp>
+      <mc:AlternateContent xmlns:mc="http://schemas.openxmlformats.org/markup-compatibility/2006">
+        <mc:Choice xmlns:p14="http://schemas.microsoft.com/office/powerpoint/2010/main" Requires="p14">
+          <p:contentPart p14:bwMode="auto" r:id="rId3">
+            <p14:nvContentPartPr>
+              <p14:cNvPr id="8" name="Entrada de lápiz 7">
+                <a:extLst>
+                  <a:ext uri="{FF2B5EF4-FFF2-40B4-BE49-F238E27FC236}">
+                    <a16:creationId xmlns:a16="http://schemas.microsoft.com/office/drawing/2014/main" id="{C6AD67F1-A4C5-0E1B-C681-9F53F5E60E0A}"/>
+                  </a:ext>
+                </a:extLst>
+              </p14:cNvPr>
+              <p14:cNvContentPartPr/>
+              <p14:nvPr/>
+            </p14:nvContentPartPr>
+            <p14:xfrm>
+              <a:off x="8490074" y="3642148"/>
+              <a:ext cx="851760" cy="310680"/>
+            </p14:xfrm>
+          </p:contentPart>
+        </mc:Choice>
+        <mc:Fallback>
+          <p:pic>
+            <p:nvPicPr>
+              <p:cNvPr id="8" name="Entrada de lápiz 7">
+                <a:extLst>
+                  <a:ext uri="{FF2B5EF4-FFF2-40B4-BE49-F238E27FC236}">
+                    <a16:creationId xmlns:a16="http://schemas.microsoft.com/office/drawing/2014/main" id="{C6AD67F1-A4C5-0E1B-C681-9F53F5E60E0A}"/>
+                  </a:ext>
+                </a:extLst>
+              </p:cNvPr>
+              <p:cNvPicPr/>
+              <p:nvPr/>
+            </p:nvPicPr>
+            <p:blipFill>
+              <a:blip r:embed="rId4"/>
+              <a:stretch>
+                <a:fillRect/>
+              </a:stretch>
+            </p:blipFill>
+            <p:spPr>
+              <a:xfrm>
+                <a:off x="8436434" y="3534508"/>
+                <a:ext cx="959400" cy="526320"/>
+              </a:xfrm>
+              <a:prstGeom prst="rect">
+                <a:avLst/>
+              </a:prstGeom>
+            </p:spPr>
+          </p:pic>
+        </mc:Fallback>
+      </mc:AlternateContent>
+    </p:spTree>
+    <p:extLst>
+      <p:ext uri="{BB962C8B-B14F-4D97-AF65-F5344CB8AC3E}">
+        <p14:creationId xmlns:p14="http://schemas.microsoft.com/office/powerpoint/2010/main" val="3663030896"/>
+      </p:ext>
+    </p:extLst>
+  </p:cSld>
+  <p:clrMapOvr>
+    <a:masterClrMapping/>
+  </p:clrMapOvr>
+</p:sld>
+</file>
+
+<file path=ppt/slides/slide34.xml><?xml version="1.0" encoding="utf-8"?>
+<p:sld xmlns:a="http://schemas.openxmlformats.org/drawingml/2006/main" xmlns:r="http://schemas.openxmlformats.org/officeDocument/2006/relationships" xmlns:p="http://schemas.openxmlformats.org/presentationml/2006/main">
+  <p:cSld>
+    <p:spTree>
+      <p:nvGrpSpPr>
+        <p:cNvPr id="1" name=""/>
+        <p:cNvGrpSpPr/>
+        <p:nvPr/>
+      </p:nvGrpSpPr>
+      <p:grpSpPr>
+        <a:xfrm>
+          <a:off x="0" y="0"/>
+          <a:ext cx="0" cy="0"/>
+          <a:chOff x="0" y="0"/>
+          <a:chExt cx="0" cy="0"/>
+        </a:xfrm>
+      </p:grpSpPr>
+      <p:pic>
+        <p:nvPicPr>
+          <p:cNvPr id="3" name="Imagen 2">
+            <a:extLst>
+              <a:ext uri="{FF2B5EF4-FFF2-40B4-BE49-F238E27FC236}">
+                <a16:creationId xmlns:a16="http://schemas.microsoft.com/office/drawing/2014/main" id="{7E651988-27ED-DFD3-F912-698089347052}"/>
+              </a:ext>
+            </a:extLst>
+          </p:cNvPr>
+          <p:cNvPicPr>
+            <a:picLocks noChangeAspect="1"/>
+          </p:cNvPicPr>
+          <p:nvPr/>
+        </p:nvPicPr>
+        <p:blipFill>
+          <a:blip r:embed="rId2"/>
+          <a:stretch>
+            <a:fillRect/>
+          </a:stretch>
+        </p:blipFill>
+        <p:spPr>
+          <a:xfrm>
+            <a:off x="665388" y="1662541"/>
+            <a:ext cx="9725091" cy="3880129"/>
+          </a:xfrm>
+          <a:prstGeom prst="rect">
+            <a:avLst/>
+          </a:prstGeom>
+        </p:spPr>
+      </p:pic>
+      <p:cxnSp>
+        <p:nvCxnSpPr>
+          <p:cNvPr id="4" name="Conector recto 3">
+            <a:extLst>
+              <a:ext uri="{FF2B5EF4-FFF2-40B4-BE49-F238E27FC236}">
+                <a16:creationId xmlns:a16="http://schemas.microsoft.com/office/drawing/2014/main" id="{69F38E33-D019-384E-CDD9-E912B10E7FAF}"/>
+              </a:ext>
+            </a:extLst>
+          </p:cNvPr>
+          <p:cNvCxnSpPr>
+            <a:cxnSpLocks/>
+          </p:cNvCxnSpPr>
+          <p:nvPr/>
+        </p:nvCxnSpPr>
+        <p:spPr>
+          <a:xfrm>
+            <a:off x="5528603" y="2039815"/>
+            <a:ext cx="2180492" cy="956603"/>
+          </a:xfrm>
+          <a:prstGeom prst="line">
+            <a:avLst/>
+          </a:prstGeom>
+          <a:ln w="57150"/>
+        </p:spPr>
+        <p:style>
+          <a:lnRef idx="3">
+            <a:schemeClr val="dk1"/>
+          </a:lnRef>
+          <a:fillRef idx="0">
+            <a:schemeClr val="dk1"/>
+          </a:fillRef>
+          <a:effectRef idx="2">
+            <a:schemeClr val="dk1"/>
+          </a:effectRef>
+          <a:fontRef idx="minor">
+            <a:schemeClr val="tx1"/>
+          </a:fontRef>
+        </p:style>
+      </p:cxnSp>
+      <p:sp>
+        <p:nvSpPr>
+          <p:cNvPr id="7" name="Rectángulo 6">
+            <a:extLst>
+              <a:ext uri="{FF2B5EF4-FFF2-40B4-BE49-F238E27FC236}">
+                <a16:creationId xmlns:a16="http://schemas.microsoft.com/office/drawing/2014/main" id="{977C5A77-968A-7A12-C4A2-50ECC1EE10ED}"/>
+              </a:ext>
+            </a:extLst>
+          </p:cNvPr>
+          <p:cNvSpPr/>
+          <p:nvPr/>
+        </p:nvSpPr>
+        <p:spPr>
+          <a:xfrm>
+            <a:off x="7709095" y="2611697"/>
+            <a:ext cx="519836" cy="769441"/>
+          </a:xfrm>
+          <a:prstGeom prst="rect">
+            <a:avLst/>
+          </a:prstGeom>
+          <a:noFill/>
+        </p:spPr>
+        <p:txBody>
+          <a:bodyPr wrap="square" lIns="91440" tIns="45720" rIns="91440" bIns="45720">
+            <a:spAutoFit/>
+          </a:bodyPr>
+          <a:lstStyle/>
+          <a:p>
+            <a:pPr algn="ctr"/>
+            <a:r>
+              <a:rPr lang="es-ES" sz="4400" dirty="0">
+                <a:ln w="0"/>
+                <a:effectLst>
+                  <a:outerShdw blurRad="38100" dist="19050" dir="2700000" algn="tl" rotWithShape="0">
+                    <a:schemeClr val="dk1">
+                      <a:alpha val="40000"/>
+                    </a:schemeClr>
+                  </a:outerShdw>
+                </a:effectLst>
+              </a:rPr>
+              <a:t>F</a:t>
+            </a:r>
+            <a:endParaRPr lang="es-ES" sz="4400" b="0" cap="none" spc="0" dirty="0">
+              <a:ln w="0"/>
+              <a:solidFill>
+                <a:schemeClr val="tx1"/>
+              </a:solidFill>
+              <a:effectLst>
+                <a:outerShdw blurRad="38100" dist="19050" dir="2700000" algn="tl" rotWithShape="0">
+                  <a:schemeClr val="dk1">
+                    <a:alpha val="40000"/>
+                  </a:schemeClr>
+                </a:outerShdw>
+              </a:effectLst>
+            </a:endParaRPr>
+          </a:p>
+        </p:txBody>
+      </p:sp>
+      <p:sp>
+        <p:nvSpPr>
+          <p:cNvPr id="8" name="Rectángulo 7">
+            <a:extLst>
+              <a:ext uri="{FF2B5EF4-FFF2-40B4-BE49-F238E27FC236}">
+                <a16:creationId xmlns:a16="http://schemas.microsoft.com/office/drawing/2014/main" id="{1352E465-9DAF-EDD0-9C54-6FADF3F8DA30}"/>
+              </a:ext>
+            </a:extLst>
+          </p:cNvPr>
+          <p:cNvSpPr/>
+          <p:nvPr/>
+        </p:nvSpPr>
+        <p:spPr>
+          <a:xfrm>
+            <a:off x="5008098" y="1357532"/>
+            <a:ext cx="519836" cy="769441"/>
+          </a:xfrm>
+          <a:prstGeom prst="rect">
+            <a:avLst/>
+          </a:prstGeom>
+          <a:noFill/>
+        </p:spPr>
+        <p:txBody>
+          <a:bodyPr wrap="square" lIns="91440" tIns="45720" rIns="91440" bIns="45720">
+            <a:spAutoFit/>
+          </a:bodyPr>
+          <a:lstStyle/>
+          <a:p>
+            <a:pPr algn="ctr"/>
+            <a:r>
+              <a:rPr lang="es-ES" sz="4400" dirty="0">
+                <a:ln w="0"/>
+                <a:effectLst>
+                  <a:outerShdw blurRad="38100" dist="19050" dir="2700000" algn="tl" rotWithShape="0">
+                    <a:schemeClr val="dk1">
+                      <a:alpha val="40000"/>
+                    </a:schemeClr>
+                  </a:outerShdw>
+                </a:effectLst>
+              </a:rPr>
+              <a:t>G</a:t>
+            </a:r>
+            <a:endParaRPr lang="es-ES" sz="4400" b="0" cap="none" spc="0" dirty="0">
+              <a:ln w="0"/>
+              <a:solidFill>
+                <a:schemeClr val="tx1"/>
+              </a:solidFill>
+              <a:effectLst>
+                <a:outerShdw blurRad="38100" dist="19050" dir="2700000" algn="tl" rotWithShape="0">
+                  <a:schemeClr val="dk1">
+                    <a:alpha val="40000"/>
+                  </a:schemeClr>
+                </a:outerShdw>
+              </a:effectLst>
+            </a:endParaRPr>
+          </a:p>
+        </p:txBody>
+      </p:sp>
+      <mc:AlternateContent xmlns:mc="http://schemas.openxmlformats.org/markup-compatibility/2006">
+        <mc:Choice xmlns:p14="http://schemas.microsoft.com/office/powerpoint/2010/main" Requires="p14">
+          <p:contentPart p14:bwMode="auto" r:id="rId3">
+            <p14:nvContentPartPr>
+              <p14:cNvPr id="9" name="Entrada de lápiz 8">
+                <a:extLst>
+                  <a:ext uri="{FF2B5EF4-FFF2-40B4-BE49-F238E27FC236}">
+                    <a16:creationId xmlns:a16="http://schemas.microsoft.com/office/drawing/2014/main" id="{FCA22656-2575-8A3D-9DFC-009BFB442600}"/>
+                  </a:ext>
+                </a:extLst>
+              </p14:cNvPr>
+              <p14:cNvContentPartPr/>
+              <p14:nvPr/>
+            </p14:nvContentPartPr>
+            <p14:xfrm>
+              <a:off x="5902394" y="2892988"/>
+              <a:ext cx="1099080" cy="329400"/>
+            </p14:xfrm>
+          </p:contentPart>
+        </mc:Choice>
+        <mc:Fallback>
+          <p:pic>
+            <p:nvPicPr>
+              <p:cNvPr id="9" name="Entrada de lápiz 8">
+                <a:extLst>
+                  <a:ext uri="{FF2B5EF4-FFF2-40B4-BE49-F238E27FC236}">
+                    <a16:creationId xmlns:a16="http://schemas.microsoft.com/office/drawing/2014/main" id="{FCA22656-2575-8A3D-9DFC-009BFB442600}"/>
+                  </a:ext>
+                </a:extLst>
+              </p:cNvPr>
+              <p:cNvPicPr/>
+              <p:nvPr/>
+            </p:nvPicPr>
+            <p:blipFill>
+              <a:blip r:embed="rId4"/>
+              <a:stretch>
+                <a:fillRect/>
+              </a:stretch>
+            </p:blipFill>
+            <p:spPr>
+              <a:xfrm>
+                <a:off x="5848394" y="2785348"/>
+                <a:ext cx="1206720" cy="545040"/>
+              </a:xfrm>
+              <a:prstGeom prst="rect">
+                <a:avLst/>
+              </a:prstGeom>
+            </p:spPr>
+          </p:pic>
+        </mc:Fallback>
+      </mc:AlternateContent>
+    </p:spTree>
+    <p:extLst>
+      <p:ext uri="{BB962C8B-B14F-4D97-AF65-F5344CB8AC3E}">
+        <p14:creationId xmlns:p14="http://schemas.microsoft.com/office/powerpoint/2010/main" val="3691378319"/>
+      </p:ext>
+    </p:extLst>
+  </p:cSld>
+  <p:clrMapOvr>
+    <a:masterClrMapping/>
+  </p:clrMapOvr>
+</p:sld>
+</file>
+
+<file path=ppt/slides/slide35.xml><?xml version="1.0" encoding="utf-8"?>
+<p:sld xmlns:a="http://schemas.openxmlformats.org/drawingml/2006/main" xmlns:r="http://schemas.openxmlformats.org/officeDocument/2006/relationships" xmlns:p="http://schemas.openxmlformats.org/presentationml/2006/main">
+  <p:cSld>
+    <p:spTree>
+      <p:nvGrpSpPr>
+        <p:cNvPr id="1" name=""/>
+        <p:cNvGrpSpPr/>
+        <p:nvPr/>
+      </p:nvGrpSpPr>
+      <p:grpSpPr>
+        <a:xfrm>
+          <a:off x="0" y="0"/>
+          <a:ext cx="0" cy="0"/>
+          <a:chOff x="0" y="0"/>
+          <a:chExt cx="0" cy="0"/>
+        </a:xfrm>
+      </p:grpSpPr>
+      <p:pic>
+        <p:nvPicPr>
+          <p:cNvPr id="3" name="Imagen 2">
+            <a:extLst>
+              <a:ext uri="{FF2B5EF4-FFF2-40B4-BE49-F238E27FC236}">
+                <a16:creationId xmlns:a16="http://schemas.microsoft.com/office/drawing/2014/main" id="{8670445C-41D5-9AE7-DFA3-E489A1D8E484}"/>
+              </a:ext>
+            </a:extLst>
+          </p:cNvPr>
+          <p:cNvPicPr>
+            <a:picLocks noChangeAspect="1"/>
+          </p:cNvPicPr>
+          <p:nvPr/>
+        </p:nvPicPr>
+        <p:blipFill>
+          <a:blip r:embed="rId2"/>
+          <a:stretch>
+            <a:fillRect/>
+          </a:stretch>
+        </p:blipFill>
+        <p:spPr>
+          <a:xfrm>
+            <a:off x="1135478" y="1744962"/>
+            <a:ext cx="10444044" cy="3910250"/>
+          </a:xfrm>
+          <a:prstGeom prst="rect">
+            <a:avLst/>
+          </a:prstGeom>
+        </p:spPr>
+      </p:pic>
+      <p:cxnSp>
+        <p:nvCxnSpPr>
+          <p:cNvPr id="4" name="Conector recto 3">
+            <a:extLst>
+              <a:ext uri="{FF2B5EF4-FFF2-40B4-BE49-F238E27FC236}">
+                <a16:creationId xmlns:a16="http://schemas.microsoft.com/office/drawing/2014/main" id="{FE344177-6D50-2AAC-4F3B-E0598BD5ECAE}"/>
+              </a:ext>
+            </a:extLst>
+          </p:cNvPr>
+          <p:cNvCxnSpPr>
+            <a:cxnSpLocks/>
+          </p:cNvCxnSpPr>
+          <p:nvPr/>
+        </p:nvCxnSpPr>
+        <p:spPr>
+          <a:xfrm>
+            <a:off x="3530990" y="1885070"/>
+            <a:ext cx="0" cy="2743201"/>
+          </a:xfrm>
+          <a:prstGeom prst="line">
+            <a:avLst/>
+          </a:prstGeom>
+          <a:ln w="57150"/>
+        </p:spPr>
+        <p:style>
+          <a:lnRef idx="3">
+            <a:schemeClr val="dk1"/>
+          </a:lnRef>
+          <a:fillRef idx="0">
+            <a:schemeClr val="dk1"/>
+          </a:fillRef>
+          <a:effectRef idx="2">
+            <a:schemeClr val="dk1"/>
+          </a:effectRef>
+          <a:fontRef idx="minor">
+            <a:schemeClr val="tx1"/>
+          </a:fontRef>
+        </p:style>
+      </p:cxnSp>
+      <p:sp>
+        <p:nvSpPr>
+          <p:cNvPr id="8" name="Rectángulo 7">
+            <a:extLst>
+              <a:ext uri="{FF2B5EF4-FFF2-40B4-BE49-F238E27FC236}">
+                <a16:creationId xmlns:a16="http://schemas.microsoft.com/office/drawing/2014/main" id="{82584F5B-1DC2-EBBA-E055-4971D6E18BD2}"/>
+              </a:ext>
+            </a:extLst>
+          </p:cNvPr>
+          <p:cNvSpPr/>
+          <p:nvPr/>
+        </p:nvSpPr>
+        <p:spPr>
+          <a:xfrm>
+            <a:off x="3271072" y="1115629"/>
+            <a:ext cx="519836" cy="769441"/>
+          </a:xfrm>
+          <a:prstGeom prst="rect">
+            <a:avLst/>
+          </a:prstGeom>
+          <a:noFill/>
+        </p:spPr>
+        <p:txBody>
+          <a:bodyPr wrap="square" lIns="91440" tIns="45720" rIns="91440" bIns="45720">
+            <a:spAutoFit/>
+          </a:bodyPr>
+          <a:lstStyle/>
+          <a:p>
+            <a:pPr algn="ctr"/>
+            <a:r>
+              <a:rPr lang="es-ES" sz="4400" b="0" cap="none" spc="0" dirty="0">
+                <a:ln w="0"/>
+                <a:solidFill>
+                  <a:schemeClr val="tx1"/>
+                </a:solidFill>
+                <a:effectLst>
+                  <a:outerShdw blurRad="38100" dist="19050" dir="2700000" algn="tl" rotWithShape="0">
+                    <a:schemeClr val="dk1">
+                      <a:alpha val="40000"/>
+                    </a:schemeClr>
+                  </a:outerShdw>
+                </a:effectLst>
+              </a:rPr>
+              <a:t>H</a:t>
+            </a:r>
+          </a:p>
+        </p:txBody>
+      </p:sp>
+      <p:sp>
+        <p:nvSpPr>
+          <p:cNvPr id="9" name="Rectángulo 8">
+            <a:extLst>
+              <a:ext uri="{FF2B5EF4-FFF2-40B4-BE49-F238E27FC236}">
+                <a16:creationId xmlns:a16="http://schemas.microsoft.com/office/drawing/2014/main" id="{2EC95D95-532A-2372-2D4D-205C9F2993FD}"/>
+              </a:ext>
+            </a:extLst>
+          </p:cNvPr>
+          <p:cNvSpPr/>
+          <p:nvPr/>
+        </p:nvSpPr>
+        <p:spPr>
+          <a:xfrm>
+            <a:off x="3271072" y="4562214"/>
+            <a:ext cx="519836" cy="769441"/>
+          </a:xfrm>
+          <a:prstGeom prst="rect">
+            <a:avLst/>
+          </a:prstGeom>
+          <a:noFill/>
+        </p:spPr>
+        <p:txBody>
+          <a:bodyPr wrap="square" lIns="91440" tIns="45720" rIns="91440" bIns="45720">
+            <a:spAutoFit/>
+          </a:bodyPr>
+          <a:lstStyle/>
+          <a:p>
+            <a:pPr algn="ctr"/>
+            <a:r>
+              <a:rPr lang="es-ES" sz="4400" dirty="0">
+                <a:ln w="0"/>
+                <a:effectLst>
+                  <a:outerShdw blurRad="38100" dist="19050" dir="2700000" algn="tl" rotWithShape="0">
+                    <a:schemeClr val="dk1">
+                      <a:alpha val="40000"/>
+                    </a:schemeClr>
+                  </a:outerShdw>
+                </a:effectLst>
+              </a:rPr>
+              <a:t>B</a:t>
+            </a:r>
+            <a:endParaRPr lang="es-ES" sz="4400" b="0" cap="none" spc="0" dirty="0">
+              <a:ln w="0"/>
+              <a:solidFill>
+                <a:schemeClr val="tx1"/>
+              </a:solidFill>
+              <a:effectLst>
+                <a:outerShdw blurRad="38100" dist="19050" dir="2700000" algn="tl" rotWithShape="0">
+                  <a:schemeClr val="dk1">
+                    <a:alpha val="40000"/>
+                  </a:schemeClr>
+                </a:outerShdw>
+              </a:effectLst>
+            </a:endParaRPr>
+          </a:p>
+        </p:txBody>
+      </p:sp>
+      <mc:AlternateContent xmlns:mc="http://schemas.openxmlformats.org/markup-compatibility/2006">
+        <mc:Choice xmlns:p14="http://schemas.microsoft.com/office/powerpoint/2010/main" Requires="p14">
+          <p:contentPart p14:bwMode="auto" r:id="rId3">
+            <p14:nvContentPartPr>
+              <p14:cNvPr id="11" name="Entrada de lápiz 10">
+                <a:extLst>
+                  <a:ext uri="{FF2B5EF4-FFF2-40B4-BE49-F238E27FC236}">
+                    <a16:creationId xmlns:a16="http://schemas.microsoft.com/office/drawing/2014/main" id="{FCF123DC-8362-2E3A-623E-B324B284032A}"/>
+                  </a:ext>
+                </a:extLst>
+              </p14:cNvPr>
+              <p14:cNvContentPartPr/>
+              <p14:nvPr/>
+            </p14:nvContentPartPr>
+            <p14:xfrm>
+              <a:off x="3624314" y="3206548"/>
+              <a:ext cx="511920" cy="394920"/>
+            </p14:xfrm>
+          </p:contentPart>
+        </mc:Choice>
+        <mc:Fallback>
+          <p:pic>
+            <p:nvPicPr>
+              <p:cNvPr id="11" name="Entrada de lápiz 10">
+                <a:extLst>
+                  <a:ext uri="{FF2B5EF4-FFF2-40B4-BE49-F238E27FC236}">
+                    <a16:creationId xmlns:a16="http://schemas.microsoft.com/office/drawing/2014/main" id="{FCF123DC-8362-2E3A-623E-B324B284032A}"/>
+                  </a:ext>
+                </a:extLst>
+              </p:cNvPr>
+              <p:cNvPicPr/>
+              <p:nvPr/>
+            </p:nvPicPr>
+            <p:blipFill>
+              <a:blip r:embed="rId4"/>
+              <a:stretch>
+                <a:fillRect/>
+              </a:stretch>
+            </p:blipFill>
+            <p:spPr>
+              <a:xfrm>
+                <a:off x="3570314" y="3098908"/>
+                <a:ext cx="619560" cy="610560"/>
+              </a:xfrm>
+              <a:prstGeom prst="rect">
+                <a:avLst/>
+              </a:prstGeom>
+            </p:spPr>
+          </p:pic>
+        </mc:Fallback>
+      </mc:AlternateContent>
+      <mc:AlternateContent xmlns:mc="http://schemas.openxmlformats.org/markup-compatibility/2006">
+        <mc:Choice xmlns:p14="http://schemas.microsoft.com/office/powerpoint/2010/main" Requires="p14">
+          <p:contentPart p14:bwMode="auto" r:id="rId5">
+            <p14:nvContentPartPr>
+              <p14:cNvPr id="12" name="Entrada de lápiz 11">
+                <a:extLst>
+                  <a:ext uri="{FF2B5EF4-FFF2-40B4-BE49-F238E27FC236}">
+                    <a16:creationId xmlns:a16="http://schemas.microsoft.com/office/drawing/2014/main" id="{6C2287E6-70E8-A87B-1604-C865D89F693D}"/>
+                  </a:ext>
+                </a:extLst>
+              </p14:cNvPr>
+              <p14:cNvContentPartPr/>
+              <p14:nvPr/>
+            </p14:nvContentPartPr>
+            <p14:xfrm>
+              <a:off x="4107434" y="3449188"/>
+              <a:ext cx="12960" cy="25560"/>
+            </p14:xfrm>
+          </p:contentPart>
+        </mc:Choice>
+        <mc:Fallback>
+          <p:pic>
+            <p:nvPicPr>
+              <p:cNvPr id="12" name="Entrada de lápiz 11">
+                <a:extLst>
+                  <a:ext uri="{FF2B5EF4-FFF2-40B4-BE49-F238E27FC236}">
+                    <a16:creationId xmlns:a16="http://schemas.microsoft.com/office/drawing/2014/main" id="{6C2287E6-70E8-A87B-1604-C865D89F693D}"/>
+                  </a:ext>
+                </a:extLst>
+              </p:cNvPr>
+              <p:cNvPicPr/>
+              <p:nvPr/>
+            </p:nvPicPr>
+            <p:blipFill>
+              <a:blip r:embed="rId6"/>
+              <a:stretch>
+                <a:fillRect/>
+              </a:stretch>
+            </p:blipFill>
+            <p:spPr>
+              <a:xfrm>
+                <a:off x="4053434" y="3341188"/>
+                <a:ext cx="120600" cy="241200"/>
+              </a:xfrm>
+              <a:prstGeom prst="rect">
+                <a:avLst/>
+              </a:prstGeom>
+            </p:spPr>
+          </p:pic>
+        </mc:Fallback>
+      </mc:AlternateContent>
+      <mc:AlternateContent xmlns:mc="http://schemas.openxmlformats.org/markup-compatibility/2006">
+        <mc:Choice xmlns:p14="http://schemas.microsoft.com/office/powerpoint/2010/main" Requires="p14">
+          <p:contentPart p14:bwMode="auto" r:id="rId7">
+            <p14:nvContentPartPr>
+              <p14:cNvPr id="13" name="Entrada de lápiz 12">
+                <a:extLst>
+                  <a:ext uri="{FF2B5EF4-FFF2-40B4-BE49-F238E27FC236}">
+                    <a16:creationId xmlns:a16="http://schemas.microsoft.com/office/drawing/2014/main" id="{E5CD8A5F-73E7-5CF4-F364-F69E270DAA8D}"/>
+                  </a:ext>
+                </a:extLst>
+              </p14:cNvPr>
+              <p14:cNvContentPartPr/>
+              <p14:nvPr/>
+            </p14:nvContentPartPr>
+            <p14:xfrm>
+              <a:off x="4121114" y="3328228"/>
+              <a:ext cx="360" cy="6120"/>
+            </p14:xfrm>
+          </p:contentPart>
+        </mc:Choice>
+        <mc:Fallback>
+          <p:pic>
+            <p:nvPicPr>
+              <p:cNvPr id="13" name="Entrada de lápiz 12">
+                <a:extLst>
+                  <a:ext uri="{FF2B5EF4-FFF2-40B4-BE49-F238E27FC236}">
+                    <a16:creationId xmlns:a16="http://schemas.microsoft.com/office/drawing/2014/main" id="{E5CD8A5F-73E7-5CF4-F364-F69E270DAA8D}"/>
+                  </a:ext>
+                </a:extLst>
+              </p:cNvPr>
+              <p:cNvPicPr/>
+              <p:nvPr/>
+            </p:nvPicPr>
+            <p:blipFill>
+              <a:blip r:embed="rId8"/>
+              <a:stretch>
+                <a:fillRect/>
+              </a:stretch>
+            </p:blipFill>
+            <p:spPr>
+              <a:xfrm>
+                <a:off x="4067474" y="3220228"/>
+                <a:ext cx="108000" cy="221760"/>
+              </a:xfrm>
+              <a:prstGeom prst="rect">
+                <a:avLst/>
+              </a:prstGeom>
+            </p:spPr>
+          </p:pic>
+        </mc:Fallback>
+      </mc:AlternateContent>
+      <mc:AlternateContent xmlns:mc="http://schemas.openxmlformats.org/markup-compatibility/2006">
+        <mc:Choice xmlns:p14="http://schemas.microsoft.com/office/powerpoint/2010/main" Requires="p14">
+          <p:contentPart p14:bwMode="auto" r:id="rId9">
+            <p14:nvContentPartPr>
+              <p14:cNvPr id="14" name="Entrada de lápiz 13">
+                <a:extLst>
+                  <a:ext uri="{FF2B5EF4-FFF2-40B4-BE49-F238E27FC236}">
+                    <a16:creationId xmlns:a16="http://schemas.microsoft.com/office/drawing/2014/main" id="{19CC65E0-BE78-1AD0-6AA5-E39DF0F1BB3F}"/>
+                  </a:ext>
+                </a:extLst>
+              </p14:cNvPr>
+              <p14:cNvContentPartPr/>
+              <p14:nvPr/>
+            </p14:nvContentPartPr>
+            <p14:xfrm>
+              <a:off x="4121114" y="3319588"/>
+              <a:ext cx="360" cy="360"/>
+            </p14:xfrm>
+          </p:contentPart>
+        </mc:Choice>
+        <mc:Fallback>
+          <p:pic>
+            <p:nvPicPr>
+              <p:cNvPr id="14" name="Entrada de lápiz 13">
+                <a:extLst>
+                  <a:ext uri="{FF2B5EF4-FFF2-40B4-BE49-F238E27FC236}">
+                    <a16:creationId xmlns:a16="http://schemas.microsoft.com/office/drawing/2014/main" id="{19CC65E0-BE78-1AD0-6AA5-E39DF0F1BB3F}"/>
+                  </a:ext>
+                </a:extLst>
+              </p:cNvPr>
+              <p:cNvPicPr/>
+              <p:nvPr/>
+            </p:nvPicPr>
+            <p:blipFill>
+              <a:blip r:embed="rId10"/>
+              <a:stretch>
+                <a:fillRect/>
+              </a:stretch>
+            </p:blipFill>
+            <p:spPr>
+              <a:xfrm>
+                <a:off x="4067474" y="3211588"/>
+                <a:ext cx="108000" cy="216000"/>
+              </a:xfrm>
+              <a:prstGeom prst="rect">
+                <a:avLst/>
+              </a:prstGeom>
+            </p:spPr>
+          </p:pic>
+        </mc:Fallback>
+      </mc:AlternateContent>
+      <mc:AlternateContent xmlns:mc="http://schemas.openxmlformats.org/markup-compatibility/2006">
+        <mc:Choice xmlns:p14="http://schemas.microsoft.com/office/powerpoint/2010/main" Requires="p14">
+          <p:contentPart p14:bwMode="auto" r:id="rId11">
+            <p14:nvContentPartPr>
+              <p14:cNvPr id="15" name="Entrada de lápiz 14">
+                <a:extLst>
+                  <a:ext uri="{FF2B5EF4-FFF2-40B4-BE49-F238E27FC236}">
+                    <a16:creationId xmlns:a16="http://schemas.microsoft.com/office/drawing/2014/main" id="{648DEAF7-254B-9635-DA62-F6C08E208E8B}"/>
+                  </a:ext>
+                </a:extLst>
+              </p14:cNvPr>
+              <p14:cNvContentPartPr/>
+              <p14:nvPr/>
+            </p14:nvContentPartPr>
+            <p14:xfrm>
+              <a:off x="3838874" y="3232108"/>
+              <a:ext cx="381600" cy="470160"/>
+            </p14:xfrm>
+          </p:contentPart>
+        </mc:Choice>
+        <mc:Fallback>
+          <p:pic>
+            <p:nvPicPr>
+              <p:cNvPr id="15" name="Entrada de lápiz 14">
+                <a:extLst>
+                  <a:ext uri="{FF2B5EF4-FFF2-40B4-BE49-F238E27FC236}">
+                    <a16:creationId xmlns:a16="http://schemas.microsoft.com/office/drawing/2014/main" id="{648DEAF7-254B-9635-DA62-F6C08E208E8B}"/>
+                  </a:ext>
+                </a:extLst>
+              </p:cNvPr>
+              <p:cNvPicPr/>
+              <p:nvPr/>
+            </p:nvPicPr>
+            <p:blipFill>
+              <a:blip r:embed="rId12"/>
+              <a:stretch>
+                <a:fillRect/>
+              </a:stretch>
+            </p:blipFill>
+            <p:spPr>
+              <a:xfrm>
+                <a:off x="3784874" y="3124108"/>
+                <a:ext cx="489240" cy="685800"/>
+              </a:xfrm>
+              <a:prstGeom prst="rect">
+                <a:avLst/>
+              </a:prstGeom>
+            </p:spPr>
+          </p:pic>
+        </mc:Fallback>
+      </mc:AlternateContent>
+    </p:spTree>
+    <p:extLst>
+      <p:ext uri="{BB962C8B-B14F-4D97-AF65-F5344CB8AC3E}">
+        <p14:creationId xmlns:p14="http://schemas.microsoft.com/office/powerpoint/2010/main" val="2007357011"/>
+      </p:ext>
+    </p:extLst>
+  </p:cSld>
+  <p:clrMapOvr>
+    <a:masterClrMapping/>
+  </p:clrMapOvr>
+</p:sld>
+</file>
+
+<file path=ppt/slides/slide36.xml><?xml version="1.0" encoding="utf-8"?>
+<p:sld xmlns:a="http://schemas.openxmlformats.org/drawingml/2006/main" xmlns:r="http://schemas.openxmlformats.org/officeDocument/2006/relationships" xmlns:p="http://schemas.openxmlformats.org/presentationml/2006/main">
+  <p:cSld>
+    <p:spTree>
+      <p:nvGrpSpPr>
+        <p:cNvPr id="1" name=""/>
+        <p:cNvGrpSpPr/>
+        <p:nvPr/>
+      </p:nvGrpSpPr>
+      <p:grpSpPr>
+        <a:xfrm>
+          <a:off x="0" y="0"/>
+          <a:ext cx="0" cy="0"/>
+          <a:chOff x="0" y="0"/>
+          <a:chExt cx="0" cy="0"/>
+        </a:xfrm>
+      </p:grpSpPr>
+    </p:spTree>
+    <p:extLst>
+      <p:ext uri="{BB962C8B-B14F-4D97-AF65-F5344CB8AC3E}">
+        <p14:creationId xmlns:p14="http://schemas.microsoft.com/office/powerpoint/2010/main" val="3352896984"/>
+      </p:ext>
+    </p:extLst>
+  </p:cSld>
+  <p:clrMapOvr>
+    <a:masterClrMapping/>
+  </p:clrMapOvr>
+</p:sld>
+</file>
+
+<file path=ppt/slides/slide37.xml><?xml version="1.0" encoding="utf-8"?>
+<p:sld xmlns:a="http://schemas.openxmlformats.org/drawingml/2006/main" xmlns:r="http://schemas.openxmlformats.org/officeDocument/2006/relationships" xmlns:p="http://schemas.openxmlformats.org/presentationml/2006/main">
+  <p:cSld>
+    <p:spTree>
+      <p:nvGrpSpPr>
+        <p:cNvPr id="1" name=""/>
+        <p:cNvGrpSpPr/>
+        <p:nvPr/>
+      </p:nvGrpSpPr>
+      <p:grpSpPr>
+        <a:xfrm>
+          <a:off x="0" y="0"/>
+          <a:ext cx="0" cy="0"/>
+          <a:chOff x="0" y="0"/>
+          <a:chExt cx="0" cy="0"/>
+        </a:xfrm>
+      </p:grpSpPr>
+    </p:spTree>
+    <p:extLst>
+      <p:ext uri="{BB962C8B-B14F-4D97-AF65-F5344CB8AC3E}">
+        <p14:creationId xmlns:p14="http://schemas.microsoft.com/office/powerpoint/2010/main" val="2793649675"/>
+      </p:ext>
+    </p:extLst>
+  </p:cSld>
+  <p:clrMapOvr>
+    <a:masterClrMapping/>
+  </p:clrMapOvr>
+</p:sld>
+</file>
+
+<file path=ppt/slides/slide38.xml><?xml version="1.0" encoding="utf-8"?>
+<p:sld xmlns:a="http://schemas.openxmlformats.org/drawingml/2006/main" xmlns:r="http://schemas.openxmlformats.org/officeDocument/2006/relationships" xmlns:p="http://schemas.openxmlformats.org/presentationml/2006/main">
+  <p:cSld>
+    <p:spTree>
+      <p:nvGrpSpPr>
+        <p:cNvPr id="1" name=""/>
+        <p:cNvGrpSpPr/>
+        <p:nvPr/>
+      </p:nvGrpSpPr>
+      <p:grpSpPr>
+        <a:xfrm>
+          <a:off x="0" y="0"/>
+          <a:ext cx="0" cy="0"/>
+          <a:chOff x="0" y="0"/>
+          <a:chExt cx="0" cy="0"/>
+        </a:xfrm>
+      </p:grpSpPr>
+    </p:spTree>
+    <p:extLst>
+      <p:ext uri="{BB962C8B-B14F-4D97-AF65-F5344CB8AC3E}">
+        <p14:creationId xmlns:p14="http://schemas.microsoft.com/office/powerpoint/2010/main" val="2851400654"/>
+      </p:ext>
+    </p:extLst>
+  </p:cSld>
+  <p:clrMapOvr>
+    <a:masterClrMapping/>
+  </p:clrMapOvr>
+</p:sld>
+</file>
+
 <file path=ppt/slides/slide4.xml><?xml version="1.0" encoding="utf-8"?>
 <p:sld xmlns:a="http://schemas.openxmlformats.org/drawingml/2006/main" xmlns:r="http://schemas.openxmlformats.org/officeDocument/2006/relationships" xmlns:p="http://schemas.openxmlformats.org/presentationml/2006/main">
   <p:cSld>
@@ -10186,8 +11768,8 @@
           </a:prstGeom>
         </p:spPr>
       </p:pic>
-      <mc:AlternateContent xmlns:mc="http://schemas.openxmlformats.org/markup-compatibility/2006">
-        <mc:Choice xmlns:p14="http://schemas.microsoft.com/office/powerpoint/2010/main" Requires="p14">
+      <mc:AlternateContent xmlns:mc="http://schemas.openxmlformats.org/markup-compatibility/2006" xmlns:p14="http://schemas.microsoft.com/office/powerpoint/2010/main">
+        <mc:Choice Requires="p14">
           <p:contentPart p14:bwMode="auto" r:id="rId3">
             <p14:nvContentPartPr>
               <p14:cNvPr id="4" name="Entrada de lápiz 3">
@@ -10206,7 +11788,7 @@
             </p14:xfrm>
           </p:contentPart>
         </mc:Choice>
-        <mc:Fallback>
+        <mc:Fallback xmlns="">
           <p:pic>
             <p:nvPicPr>
               <p:cNvPr id="4" name="Entrada de lápiz 3">
@@ -10237,8 +11819,8 @@
           </p:pic>
         </mc:Fallback>
       </mc:AlternateContent>
-      <mc:AlternateContent xmlns:mc="http://schemas.openxmlformats.org/markup-compatibility/2006">
-        <mc:Choice xmlns:p14="http://schemas.microsoft.com/office/powerpoint/2010/main" Requires="p14">
+      <mc:AlternateContent xmlns:mc="http://schemas.openxmlformats.org/markup-compatibility/2006" xmlns:p14="http://schemas.microsoft.com/office/powerpoint/2010/main">
+        <mc:Choice Requires="p14">
           <p:contentPart p14:bwMode="auto" r:id="rId5">
             <p14:nvContentPartPr>
               <p14:cNvPr id="5" name="Entrada de lápiz 4">
@@ -10257,7 +11839,7 @@
             </p14:xfrm>
           </p:contentPart>
         </mc:Choice>
-        <mc:Fallback>
+        <mc:Fallback xmlns="">
           <p:pic>
             <p:nvPicPr>
               <p:cNvPr id="5" name="Entrada de lápiz 4">
@@ -10318,8 +11900,8 @@
           </a:prstGeom>
         </p:spPr>
       </p:pic>
-      <mc:AlternateContent xmlns:mc="http://schemas.openxmlformats.org/markup-compatibility/2006">
-        <mc:Choice xmlns:p14="http://schemas.microsoft.com/office/powerpoint/2010/main" Requires="p14">
+      <mc:AlternateContent xmlns:mc="http://schemas.openxmlformats.org/markup-compatibility/2006" xmlns:p14="http://schemas.microsoft.com/office/powerpoint/2010/main">
+        <mc:Choice Requires="p14">
           <p:contentPart p14:bwMode="auto" r:id="rId8">
             <p14:nvContentPartPr>
               <p14:cNvPr id="8" name="Entrada de lápiz 7">
@@ -10338,7 +11920,7 @@
             </p14:xfrm>
           </p:contentPart>
         </mc:Choice>
-        <mc:Fallback>
+        <mc:Fallback xmlns="">
           <p:pic>
             <p:nvPicPr>
               <p:cNvPr id="8" name="Entrada de lápiz 7">
@@ -10525,8 +12107,8 @@
           </a:prstGeom>
         </p:spPr>
       </p:pic>
-      <mc:AlternateContent xmlns:mc="http://schemas.openxmlformats.org/markup-compatibility/2006">
-        <mc:Choice xmlns:p14="http://schemas.microsoft.com/office/powerpoint/2010/main" Requires="p14">
+      <mc:AlternateContent xmlns:mc="http://schemas.openxmlformats.org/markup-compatibility/2006" xmlns:p14="http://schemas.microsoft.com/office/powerpoint/2010/main">
+        <mc:Choice Requires="p14">
           <p:contentPart p14:bwMode="auto" r:id="rId3">
             <p14:nvContentPartPr>
               <p14:cNvPr id="4" name="Entrada de lápiz 3">
@@ -10545,7 +12127,7 @@
             </p14:xfrm>
           </p:contentPart>
         </mc:Choice>
-        <mc:Fallback>
+        <mc:Fallback xmlns="">
           <p:pic>
             <p:nvPicPr>
               <p:cNvPr id="4" name="Entrada de lápiz 3">
@@ -10576,8 +12158,8 @@
           </p:pic>
         </mc:Fallback>
       </mc:AlternateContent>
-      <mc:AlternateContent xmlns:mc="http://schemas.openxmlformats.org/markup-compatibility/2006">
-        <mc:Choice xmlns:p14="http://schemas.microsoft.com/office/powerpoint/2010/main" Requires="p14">
+      <mc:AlternateContent xmlns:mc="http://schemas.openxmlformats.org/markup-compatibility/2006" xmlns:p14="http://schemas.microsoft.com/office/powerpoint/2010/main">
+        <mc:Choice Requires="p14">
           <p:contentPart p14:bwMode="auto" r:id="rId5">
             <p14:nvContentPartPr>
               <p14:cNvPr id="5" name="Entrada de lápiz 4">
@@ -10596,7 +12178,7 @@
             </p14:xfrm>
           </p:contentPart>
         </mc:Choice>
-        <mc:Fallback>
+        <mc:Fallback xmlns="">
           <p:pic>
             <p:nvPicPr>
               <p:cNvPr id="5" name="Entrada de lápiz 4">
@@ -10657,8 +12239,8 @@
           <a:chExt cx="0" cy="0"/>
         </a:xfrm>
       </p:grpSpPr>
-      <mc:AlternateContent xmlns:mc="http://schemas.openxmlformats.org/markup-compatibility/2006">
-        <mc:Choice xmlns:p14="http://schemas.microsoft.com/office/powerpoint/2010/main" Requires="p14">
+      <mc:AlternateContent xmlns:mc="http://schemas.openxmlformats.org/markup-compatibility/2006" xmlns:p14="http://schemas.microsoft.com/office/powerpoint/2010/main">
+        <mc:Choice Requires="p14">
           <p:contentPart p14:bwMode="auto" r:id="rId2">
             <p14:nvContentPartPr>
               <p14:cNvPr id="2" name="Entrada de lápiz 1">
@@ -10677,7 +12259,7 @@
             </p14:xfrm>
           </p:contentPart>
         </mc:Choice>
-        <mc:Fallback>
+        <mc:Fallback xmlns="">
           <p:pic>
             <p:nvPicPr>
               <p:cNvPr id="2" name="Entrada de lápiz 1">
@@ -10738,8 +12320,8 @@
           </a:prstGeom>
         </p:spPr>
       </p:pic>
-      <mc:AlternateContent xmlns:mc="http://schemas.openxmlformats.org/markup-compatibility/2006">
-        <mc:Choice xmlns:p14="http://schemas.microsoft.com/office/powerpoint/2010/main" Requires="p14">
+      <mc:AlternateContent xmlns:mc="http://schemas.openxmlformats.org/markup-compatibility/2006" xmlns:p14="http://schemas.microsoft.com/office/powerpoint/2010/main">
+        <mc:Choice Requires="p14">
           <p:contentPart p14:bwMode="auto" r:id="rId5">
             <p14:nvContentPartPr>
               <p14:cNvPr id="5" name="Entrada de lápiz 4">
@@ -10758,7 +12340,7 @@
             </p14:xfrm>
           </p:contentPart>
         </mc:Choice>
-        <mc:Fallback>
+        <mc:Fallback xmlns="">
           <p:pic>
             <p:nvPicPr>
               <p:cNvPr id="5" name="Entrada de lápiz 4">
@@ -10789,8 +12371,8 @@
           </p:pic>
         </mc:Fallback>
       </mc:AlternateContent>
-      <mc:AlternateContent xmlns:mc="http://schemas.openxmlformats.org/markup-compatibility/2006">
-        <mc:Choice xmlns:p14="http://schemas.microsoft.com/office/powerpoint/2010/main" Requires="p14">
+      <mc:AlternateContent xmlns:mc="http://schemas.openxmlformats.org/markup-compatibility/2006" xmlns:p14="http://schemas.microsoft.com/office/powerpoint/2010/main">
+        <mc:Choice Requires="p14">
           <p:contentPart p14:bwMode="auto" r:id="rId7">
             <p14:nvContentPartPr>
               <p14:cNvPr id="6" name="Entrada de lápiz 5">
@@ -10809,7 +12391,7 @@
             </p14:xfrm>
           </p:contentPart>
         </mc:Choice>
-        <mc:Fallback>
+        <mc:Fallback xmlns="">
           <p:pic>
             <p:nvPicPr>
               <p:cNvPr id="6" name="Entrada de lápiz 5">
@@ -10900,8 +12482,8 @@
           </a:prstGeom>
         </p:spPr>
       </p:pic>
-      <mc:AlternateContent xmlns:mc="http://schemas.openxmlformats.org/markup-compatibility/2006">
-        <mc:Choice xmlns:p14="http://schemas.microsoft.com/office/powerpoint/2010/main" Requires="p14">
+      <mc:AlternateContent xmlns:mc="http://schemas.openxmlformats.org/markup-compatibility/2006" xmlns:p14="http://schemas.microsoft.com/office/powerpoint/2010/main">
+        <mc:Choice Requires="p14">
           <p:contentPart p14:bwMode="auto" r:id="rId3">
             <p14:nvContentPartPr>
               <p14:cNvPr id="4" name="Entrada de lápiz 3">
@@ -10920,7 +12502,7 @@
             </p14:xfrm>
           </p:contentPart>
         </mc:Choice>
-        <mc:Fallback>
+        <mc:Fallback xmlns="">
           <p:pic>
             <p:nvPicPr>
               <p:cNvPr id="4" name="Entrada de lápiz 3">
@@ -10951,8 +12533,8 @@
           </p:pic>
         </mc:Fallback>
       </mc:AlternateContent>
-      <mc:AlternateContent xmlns:mc="http://schemas.openxmlformats.org/markup-compatibility/2006">
-        <mc:Choice xmlns:p14="http://schemas.microsoft.com/office/powerpoint/2010/main" Requires="p14">
+      <mc:AlternateContent xmlns:mc="http://schemas.openxmlformats.org/markup-compatibility/2006" xmlns:p14="http://schemas.microsoft.com/office/powerpoint/2010/main">
+        <mc:Choice Requires="p14">
           <p:contentPart p14:bwMode="auto" r:id="rId5">
             <p14:nvContentPartPr>
               <p14:cNvPr id="5" name="Entrada de lápiz 4">
@@ -10971,7 +12553,7 @@
             </p14:xfrm>
           </p:contentPart>
         </mc:Choice>
-        <mc:Fallback>
+        <mc:Fallback xmlns="">
           <p:pic>
             <p:nvPicPr>
               <p:cNvPr id="5" name="Entrada de lápiz 4">
@@ -11062,8 +12644,8 @@
           </a:prstGeom>
         </p:spPr>
       </p:pic>
-      <mc:AlternateContent xmlns:mc="http://schemas.openxmlformats.org/markup-compatibility/2006">
-        <mc:Choice xmlns:p14="http://schemas.microsoft.com/office/powerpoint/2010/main" Requires="p14">
+      <mc:AlternateContent xmlns:mc="http://schemas.openxmlformats.org/markup-compatibility/2006" xmlns:p14="http://schemas.microsoft.com/office/powerpoint/2010/main">
+        <mc:Choice Requires="p14">
           <p:contentPart p14:bwMode="auto" r:id="rId3">
             <p14:nvContentPartPr>
               <p14:cNvPr id="5" name="Entrada de lápiz 4">
@@ -11082,7 +12664,7 @@
             </p14:xfrm>
           </p:contentPart>
         </mc:Choice>
-        <mc:Fallback>
+        <mc:Fallback xmlns="">
           <p:pic>
             <p:nvPicPr>
               <p:cNvPr id="5" name="Entrada de lápiz 4">

--- a/PRACTICA ETBS/Ejercicio 3/Presentación ejercicio 3.pptx
+++ b/PRACTICA ETBS/Ejercicio 3/Presentación ejercicio 3.pptx
@@ -2357,7 +2357,7 @@
           <a:p>
             <a:fld id="{A1C32A86-DFE8-40F6-B4BB-AE7C3823F9DC}" type="datetimeFigureOut">
               <a:rPr lang="es-GT" smtClean="0"/>
-              <a:t>15/06/2025</a:t>
+              <a:t>16/06/2025</a:t>
             </a:fld>
             <a:endParaRPr lang="es-GT"/>
           </a:p>
@@ -2557,7 +2557,7 @@
           <a:p>
             <a:fld id="{A1C32A86-DFE8-40F6-B4BB-AE7C3823F9DC}" type="datetimeFigureOut">
               <a:rPr lang="es-GT" smtClean="0"/>
-              <a:t>15/06/2025</a:t>
+              <a:t>16/06/2025</a:t>
             </a:fld>
             <a:endParaRPr lang="es-GT"/>
           </a:p>
@@ -2767,7 +2767,7 @@
           <a:p>
             <a:fld id="{A1C32A86-DFE8-40F6-B4BB-AE7C3823F9DC}" type="datetimeFigureOut">
               <a:rPr lang="es-GT" smtClean="0"/>
-              <a:t>15/06/2025</a:t>
+              <a:t>16/06/2025</a:t>
             </a:fld>
             <a:endParaRPr lang="es-GT"/>
           </a:p>
@@ -2967,7 +2967,7 @@
           <a:p>
             <a:fld id="{A1C32A86-DFE8-40F6-B4BB-AE7C3823F9DC}" type="datetimeFigureOut">
               <a:rPr lang="es-GT" smtClean="0"/>
-              <a:t>15/06/2025</a:t>
+              <a:t>16/06/2025</a:t>
             </a:fld>
             <a:endParaRPr lang="es-GT"/>
           </a:p>
@@ -3243,7 +3243,7 @@
           <a:p>
             <a:fld id="{A1C32A86-DFE8-40F6-B4BB-AE7C3823F9DC}" type="datetimeFigureOut">
               <a:rPr lang="es-GT" smtClean="0"/>
-              <a:t>15/06/2025</a:t>
+              <a:t>16/06/2025</a:t>
             </a:fld>
             <a:endParaRPr lang="es-GT"/>
           </a:p>
@@ -3511,7 +3511,7 @@
           <a:p>
             <a:fld id="{A1C32A86-DFE8-40F6-B4BB-AE7C3823F9DC}" type="datetimeFigureOut">
               <a:rPr lang="es-GT" smtClean="0"/>
-              <a:t>15/06/2025</a:t>
+              <a:t>16/06/2025</a:t>
             </a:fld>
             <a:endParaRPr lang="es-GT"/>
           </a:p>
@@ -3926,7 +3926,7 @@
           <a:p>
             <a:fld id="{A1C32A86-DFE8-40F6-B4BB-AE7C3823F9DC}" type="datetimeFigureOut">
               <a:rPr lang="es-GT" smtClean="0"/>
-              <a:t>15/06/2025</a:t>
+              <a:t>16/06/2025</a:t>
             </a:fld>
             <a:endParaRPr lang="es-GT"/>
           </a:p>
@@ -4068,7 +4068,7 @@
           <a:p>
             <a:fld id="{A1C32A86-DFE8-40F6-B4BB-AE7C3823F9DC}" type="datetimeFigureOut">
               <a:rPr lang="es-GT" smtClean="0"/>
-              <a:t>15/06/2025</a:t>
+              <a:t>16/06/2025</a:t>
             </a:fld>
             <a:endParaRPr lang="es-GT"/>
           </a:p>
@@ -4181,7 +4181,7 @@
           <a:p>
             <a:fld id="{A1C32A86-DFE8-40F6-B4BB-AE7C3823F9DC}" type="datetimeFigureOut">
               <a:rPr lang="es-GT" smtClean="0"/>
-              <a:t>15/06/2025</a:t>
+              <a:t>16/06/2025</a:t>
             </a:fld>
             <a:endParaRPr lang="es-GT"/>
           </a:p>
@@ -4494,7 +4494,7 @@
           <a:p>
             <a:fld id="{A1C32A86-DFE8-40F6-B4BB-AE7C3823F9DC}" type="datetimeFigureOut">
               <a:rPr lang="es-GT" smtClean="0"/>
-              <a:t>15/06/2025</a:t>
+              <a:t>16/06/2025</a:t>
             </a:fld>
             <a:endParaRPr lang="es-GT"/>
           </a:p>
@@ -4783,7 +4783,7 @@
           <a:p>
             <a:fld id="{A1C32A86-DFE8-40F6-B4BB-AE7C3823F9DC}" type="datetimeFigureOut">
               <a:rPr lang="es-GT" smtClean="0"/>
-              <a:t>15/06/2025</a:t>
+              <a:t>16/06/2025</a:t>
             </a:fld>
             <a:endParaRPr lang="es-GT"/>
           </a:p>
@@ -5026,7 +5026,7 @@
           <a:p>
             <a:fld id="{A1C32A86-DFE8-40F6-B4BB-AE7C3823F9DC}" type="datetimeFigureOut">
               <a:rPr lang="es-GT" smtClean="0"/>
-              <a:t>15/06/2025</a:t>
+              <a:t>16/06/2025</a:t>
             </a:fld>
             <a:endParaRPr lang="es-GT"/>
           </a:p>
@@ -5837,6 +5837,42 @@
           </a:prstGeom>
         </p:spPr>
       </p:pic>
+      <p:sp>
+        <p:nvSpPr>
+          <p:cNvPr id="2" name="CuadroTexto 1">
+            <a:extLst>
+              <a:ext uri="{FF2B5EF4-FFF2-40B4-BE49-F238E27FC236}">
+                <a16:creationId xmlns:a16="http://schemas.microsoft.com/office/drawing/2014/main" id="{894830CC-8716-3C01-0068-B84E1F6A6522}"/>
+              </a:ext>
+            </a:extLst>
+          </p:cNvPr>
+          <p:cNvSpPr txBox="1"/>
+          <p:nvPr/>
+        </p:nvSpPr>
+        <p:spPr>
+          <a:xfrm>
+            <a:off x="3606281" y="517849"/>
+            <a:ext cx="3988838" cy="369332"/>
+          </a:xfrm>
+          <a:prstGeom prst="rect">
+            <a:avLst/>
+          </a:prstGeom>
+          <a:noFill/>
+        </p:spPr>
+        <p:txBody>
+          <a:bodyPr wrap="square" rtlCol="0">
+            <a:spAutoFit/>
+          </a:bodyPr>
+          <a:lstStyle/>
+          <a:p>
+            <a:r>
+              <a:rPr lang="es-MX" dirty="0"/>
+              <a:t>SELECCIONAR ANTES </a:t>
+            </a:r>
+            <a:endParaRPr lang="es-GT" dirty="0"/>
+          </a:p>
+        </p:txBody>
+      </p:sp>
     </p:spTree>
     <p:extLst>
       <p:ext uri="{BB962C8B-B14F-4D97-AF65-F5344CB8AC3E}">
@@ -6426,7 +6462,7 @@
         </p:blipFill>
         <p:spPr>
           <a:xfrm>
-            <a:off x="1198146" y="3715922"/>
+            <a:off x="1259786" y="3715922"/>
             <a:ext cx="8758026" cy="1276422"/>
           </a:xfrm>
           <a:prstGeom prst="rect">
@@ -6434,6 +6470,54 @@
           </a:prstGeom>
         </p:spPr>
       </p:pic>
+      <p:sp>
+        <p:nvSpPr>
+          <p:cNvPr id="2" name="CuadroTexto 1">
+            <a:extLst>
+              <a:ext uri="{FF2B5EF4-FFF2-40B4-BE49-F238E27FC236}">
+                <a16:creationId xmlns:a16="http://schemas.microsoft.com/office/drawing/2014/main" id="{35DB080F-3CDD-3472-8E62-7CF9077D97C3}"/>
+              </a:ext>
+            </a:extLst>
+          </p:cNvPr>
+          <p:cNvSpPr txBox="1"/>
+          <p:nvPr/>
+        </p:nvSpPr>
+        <p:spPr>
+          <a:xfrm>
+            <a:off x="2634342" y="721814"/>
+            <a:ext cx="3150638" cy="369332"/>
+          </a:xfrm>
+          <a:prstGeom prst="rect">
+            <a:avLst/>
+          </a:prstGeom>
+          <a:noFill/>
+        </p:spPr>
+        <p:txBody>
+          <a:bodyPr wrap="square" rtlCol="0">
+            <a:spAutoFit/>
+          </a:bodyPr>
+          <a:lstStyle/>
+          <a:p>
+            <a:r>
+              <a:rPr lang="es-MX" dirty="0" err="1"/>
+              <a:t>Seleccinoar</a:t>
+            </a:r>
+            <a:r>
+              <a:rPr lang="es-MX" dirty="0"/>
+              <a:t> </a:t>
+            </a:r>
+            <a:r>
+              <a:rPr lang="es-MX" dirty="0" err="1"/>
+              <a:t>empotrameinto</a:t>
+            </a:r>
+            <a:r>
+              <a:rPr lang="es-MX" dirty="0"/>
+              <a:t> </a:t>
+            </a:r>
+            <a:endParaRPr lang="es-GT" dirty="0"/>
+          </a:p>
+        </p:txBody>
+      </p:sp>
     </p:spTree>
     <p:extLst>
       <p:ext uri="{BB962C8B-B14F-4D97-AF65-F5344CB8AC3E}">
@@ -10585,8 +10669,8 @@
           </a:p>
         </p:txBody>
       </p:sp>
-      <mc:AlternateContent xmlns:mc="http://schemas.openxmlformats.org/markup-compatibility/2006">
-        <mc:Choice xmlns:p14="http://schemas.microsoft.com/office/powerpoint/2010/main" Requires="p14">
+      <mc:AlternateContent xmlns:mc="http://schemas.openxmlformats.org/markup-compatibility/2006" xmlns:p14="http://schemas.microsoft.com/office/powerpoint/2010/main">
+        <mc:Choice Requires="p14">
           <p:contentPart p14:bwMode="auto" r:id="rId3">
             <p14:nvContentPartPr>
               <p14:cNvPr id="13" name="Entrada de lápiz 12">
@@ -10605,7 +10689,7 @@
             </p14:xfrm>
           </p:contentPart>
         </mc:Choice>
-        <mc:Fallback>
+        <mc:Fallback xmlns="">
           <p:pic>
             <p:nvPicPr>
               <p:cNvPr id="13" name="Entrada de lápiz 12">
@@ -10841,8 +10925,8 @@
           </a:p>
         </p:txBody>
       </p:sp>
-      <mc:AlternateContent xmlns:mc="http://schemas.openxmlformats.org/markup-compatibility/2006">
-        <mc:Choice xmlns:p14="http://schemas.microsoft.com/office/powerpoint/2010/main" Requires="p14">
+      <mc:AlternateContent xmlns:mc="http://schemas.openxmlformats.org/markup-compatibility/2006" xmlns:p14="http://schemas.microsoft.com/office/powerpoint/2010/main">
+        <mc:Choice Requires="p14">
           <p:contentPart p14:bwMode="auto" r:id="rId3">
             <p14:nvContentPartPr>
               <p14:cNvPr id="8" name="Entrada de lápiz 7">
@@ -10861,7 +10945,7 @@
             </p14:xfrm>
           </p:contentPart>
         </mc:Choice>
-        <mc:Fallback>
+        <mc:Fallback xmlns="">
           <p:pic>
             <p:nvPicPr>
               <p:cNvPr id="8" name="Entrada de lápiz 7">
@@ -11107,8 +11191,8 @@
           </a:p>
         </p:txBody>
       </p:sp>
-      <mc:AlternateContent xmlns:mc="http://schemas.openxmlformats.org/markup-compatibility/2006">
-        <mc:Choice xmlns:p14="http://schemas.microsoft.com/office/powerpoint/2010/main" Requires="p14">
+      <mc:AlternateContent xmlns:mc="http://schemas.openxmlformats.org/markup-compatibility/2006" xmlns:p14="http://schemas.microsoft.com/office/powerpoint/2010/main">
+        <mc:Choice Requires="p14">
           <p:contentPart p14:bwMode="auto" r:id="rId3">
             <p14:nvContentPartPr>
               <p14:cNvPr id="9" name="Entrada de lápiz 8">
@@ -11127,7 +11211,7 @@
             </p14:xfrm>
           </p:contentPart>
         </mc:Choice>
-        <mc:Fallback>
+        <mc:Fallback xmlns="">
           <p:pic>
             <p:nvPicPr>
               <p:cNvPr id="9" name="Entrada de lápiz 8">
@@ -11363,8 +11447,8 @@
           </a:p>
         </p:txBody>
       </p:sp>
-      <mc:AlternateContent xmlns:mc="http://schemas.openxmlformats.org/markup-compatibility/2006">
-        <mc:Choice xmlns:p14="http://schemas.microsoft.com/office/powerpoint/2010/main" Requires="p14">
+      <mc:AlternateContent xmlns:mc="http://schemas.openxmlformats.org/markup-compatibility/2006" xmlns:p14="http://schemas.microsoft.com/office/powerpoint/2010/main">
+        <mc:Choice Requires="p14">
           <p:contentPart p14:bwMode="auto" r:id="rId3">
             <p14:nvContentPartPr>
               <p14:cNvPr id="11" name="Entrada de lápiz 10">
@@ -11383,7 +11467,7 @@
             </p14:xfrm>
           </p:contentPart>
         </mc:Choice>
-        <mc:Fallback>
+        <mc:Fallback xmlns="">
           <p:pic>
             <p:nvPicPr>
               <p:cNvPr id="11" name="Entrada de lápiz 10">
@@ -11414,8 +11498,8 @@
           </p:pic>
         </mc:Fallback>
       </mc:AlternateContent>
-      <mc:AlternateContent xmlns:mc="http://schemas.openxmlformats.org/markup-compatibility/2006">
-        <mc:Choice xmlns:p14="http://schemas.microsoft.com/office/powerpoint/2010/main" Requires="p14">
+      <mc:AlternateContent xmlns:mc="http://schemas.openxmlformats.org/markup-compatibility/2006" xmlns:p14="http://schemas.microsoft.com/office/powerpoint/2010/main">
+        <mc:Choice Requires="p14">
           <p:contentPart p14:bwMode="auto" r:id="rId5">
             <p14:nvContentPartPr>
               <p14:cNvPr id="12" name="Entrada de lápiz 11">
@@ -11434,7 +11518,7 @@
             </p14:xfrm>
           </p:contentPart>
         </mc:Choice>
-        <mc:Fallback>
+        <mc:Fallback xmlns="">
           <p:pic>
             <p:nvPicPr>
               <p:cNvPr id="12" name="Entrada de lápiz 11">
@@ -11465,8 +11549,8 @@
           </p:pic>
         </mc:Fallback>
       </mc:AlternateContent>
-      <mc:AlternateContent xmlns:mc="http://schemas.openxmlformats.org/markup-compatibility/2006">
-        <mc:Choice xmlns:p14="http://schemas.microsoft.com/office/powerpoint/2010/main" Requires="p14">
+      <mc:AlternateContent xmlns:mc="http://schemas.openxmlformats.org/markup-compatibility/2006" xmlns:p14="http://schemas.microsoft.com/office/powerpoint/2010/main">
+        <mc:Choice Requires="p14">
           <p:contentPart p14:bwMode="auto" r:id="rId7">
             <p14:nvContentPartPr>
               <p14:cNvPr id="13" name="Entrada de lápiz 12">
@@ -11485,7 +11569,7 @@
             </p14:xfrm>
           </p:contentPart>
         </mc:Choice>
-        <mc:Fallback>
+        <mc:Fallback xmlns="">
           <p:pic>
             <p:nvPicPr>
               <p:cNvPr id="13" name="Entrada de lápiz 12">
@@ -11516,8 +11600,8 @@
           </p:pic>
         </mc:Fallback>
       </mc:AlternateContent>
-      <mc:AlternateContent xmlns:mc="http://schemas.openxmlformats.org/markup-compatibility/2006">
-        <mc:Choice xmlns:p14="http://schemas.microsoft.com/office/powerpoint/2010/main" Requires="p14">
+      <mc:AlternateContent xmlns:mc="http://schemas.openxmlformats.org/markup-compatibility/2006" xmlns:p14="http://schemas.microsoft.com/office/powerpoint/2010/main">
+        <mc:Choice Requires="p14">
           <p:contentPart p14:bwMode="auto" r:id="rId9">
             <p14:nvContentPartPr>
               <p14:cNvPr id="14" name="Entrada de lápiz 13">
@@ -11536,7 +11620,7 @@
             </p14:xfrm>
           </p:contentPart>
         </mc:Choice>
-        <mc:Fallback>
+        <mc:Fallback xmlns="">
           <p:pic>
             <p:nvPicPr>
               <p:cNvPr id="14" name="Entrada de lápiz 13">
@@ -11567,8 +11651,8 @@
           </p:pic>
         </mc:Fallback>
       </mc:AlternateContent>
-      <mc:AlternateContent xmlns:mc="http://schemas.openxmlformats.org/markup-compatibility/2006">
-        <mc:Choice xmlns:p14="http://schemas.microsoft.com/office/powerpoint/2010/main" Requires="p14">
+      <mc:AlternateContent xmlns:mc="http://schemas.openxmlformats.org/markup-compatibility/2006" xmlns:p14="http://schemas.microsoft.com/office/powerpoint/2010/main">
+        <mc:Choice Requires="p14">
           <p:contentPart p14:bwMode="auto" r:id="rId11">
             <p14:nvContentPartPr>
               <p14:cNvPr id="15" name="Entrada de lápiz 14">
@@ -11587,7 +11671,7 @@
             </p14:xfrm>
           </p:contentPart>
         </mc:Choice>
-        <mc:Fallback>
+        <mc:Fallback xmlns="">
           <p:pic>
             <p:nvPicPr>
               <p:cNvPr id="15" name="Entrada de lápiz 14">
